--- a/filters/net.sf.okapi.filters.openxml.tests/ootput/Peeksample.pptx
+++ b/filters/net.sf.okapi.filters.openxml.tests/ootput/Peeksample.pptx
@@ -3076,7 +3076,7 @@
           <a:p>
             <a:r>
               <a:rPr lang="fr-FR" dirty="0" smtClean="0"/>
-              <a:t>[MARKER_OPENING 0 -ERR:REF-NOT-FOUND-]   =andray()[MARKER_CLOSING 1 &lt;/a:t&gt;&lt;/a:r&gt;]   </a:t>
+              <a:t>[MARKER_OPENING 0 -ERR:REF-NOT-FOUND-]   =andray()[MARKER_CLOSING 1 &amp;lt;/a:t&gt;&amp;lt;/a:r&gt;]   </a:t>
             </a:r>
             <a:endParaRPr lang="fr-FR" dirty="0"/>
           </a:p>
@@ -3104,127 +3104,127 @@
             </a:pPr>
             <a:r>
               <a:rPr lang="fr-FR" dirty="0" smtClean="0"/>
-              <a:t>[MARKER_OPENING 0 -ERR:REF-NOT-FOUND-]   ethay uickqay [MARKER_CLOSING 1 &lt;/a:t&gt;&lt;/a:r&gt;]   </a:t>
-            </a:r>
-            <a:r>
-              <a:rPr lang="fr-FR" dirty="0" err="1" smtClean="0"/>
-              <a:t>[MARKER_OPENING 2 -ERR:REF-NOT-FOUND-]   ownbray[MARKER_CLOSING 3 &lt;/a:t&gt;&lt;/a:r&gt;]   </a:t>
-            </a:r>
-            <a:r>
-              <a:rPr lang="fr-FR" dirty="0" smtClean="0"/>
-              <a:t>[MARKER_OPENING 4 -ERR:REF-NOT-FOUND-]    oxfay [MARKER_CLOSING 5 &lt;/a:t&gt;&lt;/a:r&gt;]   </a:t>
-            </a:r>
-            <a:r>
-              <a:rPr lang="fr-FR" dirty="0" err="1" smtClean="0"/>
-              <a:t>[MARKER_OPENING 6 -ERR:REF-NOT-FOUND-]   umpsjay[MARKER_CLOSING 7 &lt;/a:t&gt;&lt;/a:r&gt;]   </a:t>
-            </a:r>
-            <a:r>
-              <a:rPr lang="fr-FR" dirty="0" smtClean="0"/>
-              <a:t>[MARKER_OPENING 8 -ERR:REF-NOT-FOUND-]    overhay ethay [MARKER_CLOSING 9 &lt;/a:t&gt;&lt;/a:r&gt;]   </a:t>
-            </a:r>
-            <a:r>
-              <a:rPr lang="fr-FR" dirty="0" err="1" smtClean="0"/>
-              <a:t>[MARKER_OPENING 10 -ERR:REF-NOT-FOUND-]   azylay[MARKER_CLOSING 11 &lt;/a:t&gt;&lt;/a:r&gt;]   </a:t>
-            </a:r>
-            <a:r>
-              <a:rPr lang="fr-FR" dirty="0" smtClean="0"/>
-              <a:t>[MARKER_OPENING 12 -ERR:REF-NOT-FOUND-]    ogday. ethay uickqay [MARKER_CLOSING 13 &lt;/a:t&gt;&lt;/a:r&gt;]   </a:t>
-            </a:r>
-            <a:r>
-              <a:rPr lang="fr-FR" dirty="0" err="1" smtClean="0"/>
-              <a:t>[MARKER_OPENING 14 -ERR:REF-NOT-FOUND-]   ownbray[MARKER_CLOSING 15 &lt;/a:t&gt;&lt;/a:r&gt;]   </a:t>
-            </a:r>
-            <a:r>
-              <a:rPr lang="fr-FR" dirty="0" smtClean="0"/>
-              <a:t>[MARKER_OPENING 16 -ERR:REF-NOT-FOUND-]    oxfay [MARKER_CLOSING 17 &lt;/a:t&gt;&lt;/a:r&gt;]   </a:t>
-            </a:r>
-            <a:r>
-              <a:rPr lang="fr-FR" dirty="0" err="1" smtClean="0"/>
-              <a:t>[MARKER_OPENING 18 -ERR:REF-NOT-FOUND-]   umpsjay[MARKER_CLOSING 19 &lt;/a:t&gt;&lt;/a:r&gt;]   </a:t>
-            </a:r>
-            <a:r>
-              <a:rPr lang="fr-FR" dirty="0" smtClean="0"/>
-              <a:t>[MARKER_OPENING 20 -ERR:REF-NOT-FOUND-]    overhay ethay [MARKER_CLOSING 21 &lt;/a:t&gt;&lt;/a:r&gt;]   </a:t>
-            </a:r>
-            <a:r>
-              <a:rPr lang="fr-FR" dirty="0" err="1" smtClean="0"/>
-              <a:t>[MARKER_OPENING 22 -ERR:REF-NOT-FOUND-]   azylay[MARKER_CLOSING 23 &lt;/a:t&gt;&lt;/a:r&gt;]   </a:t>
-            </a:r>
-            <a:r>
-              <a:rPr lang="fr-FR" dirty="0" smtClean="0"/>
-              <a:t>[MARKER_OPENING 24 -ERR:REF-NOT-FOUND-]    ogday. ethay uickqay [MARKER_CLOSING 25 &lt;/a:t&gt;&lt;/a:r&gt;]   </a:t>
-            </a:r>
-            <a:r>
-              <a:rPr lang="fr-FR" dirty="0" err="1" smtClean="0"/>
-              <a:t>[MARKER_OPENING 26 -ERR:REF-NOT-FOUND-]   ownbray[MARKER_CLOSING 27 &lt;/a:t&gt;&lt;/a:r&gt;]   </a:t>
-            </a:r>
-            <a:r>
-              <a:rPr lang="fr-FR" dirty="0" smtClean="0"/>
-              <a:t>[MARKER_OPENING 28 -ERR:REF-NOT-FOUND-]    oxfay [MARKER_CLOSING 29 &lt;/a:t&gt;&lt;/a:r&gt;]   </a:t>
-            </a:r>
-            <a:r>
-              <a:rPr lang="fr-FR" dirty="0" err="1" smtClean="0"/>
-              <a:t>[MARKER_OPENING 30 -ERR:REF-NOT-FOUND-]   umpsjay[MARKER_CLOSING 31 &lt;/a:t&gt;&lt;/a:r&gt;]   </a:t>
-            </a:r>
-            <a:r>
-              <a:rPr lang="fr-FR" dirty="0" smtClean="0"/>
-              <a:t>[MARKER_OPENING 32 -ERR:REF-NOT-FOUND-]    overhay ethay [MARKER_CLOSING 33 &lt;/a:t&gt;&lt;/a:r&gt;]   </a:t>
-            </a:r>
-            <a:r>
-              <a:rPr lang="fr-FR" dirty="0" err="1" smtClean="0"/>
-              <a:t>[MARKER_OPENING 34 -ERR:REF-NOT-FOUND-]   azylay[MARKER_CLOSING 35 &lt;/a:t&gt;&lt;/a:r&gt;]   </a:t>
-            </a:r>
-            <a:r>
-              <a:rPr lang="fr-FR" dirty="0" smtClean="0"/>
-              <a:t>[MARKER_OPENING 36 -ERR:REF-NOT-FOUND-]    ogday. ethay uickqay [MARKER_CLOSING 37 &lt;/a:t&gt;&lt;/a:r&gt;]   </a:t>
-            </a:r>
-            <a:r>
-              <a:rPr lang="fr-FR" dirty="0" err="1" smtClean="0"/>
-              <a:t>[MARKER_OPENING 38 -ERR:REF-NOT-FOUND-]   ownbray[MARKER_CLOSING 39 &lt;/a:t&gt;&lt;/a:r&gt;]   </a:t>
-            </a:r>
-            <a:r>
-              <a:rPr lang="fr-FR" dirty="0" smtClean="0"/>
-              <a:t>[MARKER_OPENING 40 -ERR:REF-NOT-FOUND-]    oxfay [MARKER_CLOSING 41 &lt;/a:t&gt;&lt;/a:r&gt;]   </a:t>
-            </a:r>
-            <a:r>
-              <a:rPr lang="fr-FR" dirty="0" err="1" smtClean="0"/>
-              <a:t>[MARKER_OPENING 42 -ERR:REF-NOT-FOUND-]   umpsjay[MARKER_CLOSING 43 &lt;/a:t&gt;&lt;/a:r&gt;]   </a:t>
-            </a:r>
-            <a:r>
-              <a:rPr lang="fr-FR" dirty="0" smtClean="0"/>
-              <a:t>[MARKER_OPENING 44 -ERR:REF-NOT-FOUND-]    overhay ethay [MARKER_CLOSING 45 &lt;/a:t&gt;&lt;/a:r&gt;]   </a:t>
-            </a:r>
-            <a:r>
-              <a:rPr lang="fr-FR" dirty="0" err="1" smtClean="0"/>
-              <a:t>[MARKER_OPENING 46 -ERR:REF-NOT-FOUND-]   azylay[MARKER_CLOSING 47 &lt;/a:t&gt;&lt;/a:r&gt;]   </a:t>
-            </a:r>
-            <a:r>
-              <a:rPr lang="fr-FR" dirty="0" smtClean="0"/>
-              <a:t>[MARKER_OPENING 48 -ERR:REF-NOT-FOUND-]    ogday. ethay uickqay [MARKER_CLOSING 49 &lt;/a:t&gt;&lt;/a:r&gt;]   </a:t>
-            </a:r>
-            <a:r>
-              <a:rPr lang="fr-FR" dirty="0" err="1" smtClean="0"/>
-              <a:t>[MARKER_OPENING 50 -ERR:REF-NOT-FOUND-]   ownbray[MARKER_CLOSING 51 &lt;/a:t&gt;&lt;/a:r&gt;]   </a:t>
-            </a:r>
-            <a:r>
-              <a:rPr lang="fr-FR" dirty="0" smtClean="0"/>
-              <a:t>[MARKER_OPENING 52 -ERR:REF-NOT-FOUND-]    oxfay [MARKER_CLOSING 53 &lt;/a:t&gt;&lt;/a:r&gt;]   </a:t>
-            </a:r>
-            <a:r>
-              <a:rPr lang="fr-FR" dirty="0" err="1" smtClean="0"/>
-              <a:t>[MARKER_OPENING 54 -ERR:REF-NOT-FOUND-]   umpsjay[MARKER_CLOSING 55 &lt;/a:t&gt;&lt;/a:r&gt;]   </a:t>
-            </a:r>
-            <a:r>
-              <a:rPr lang="fr-FR" dirty="0" smtClean="0"/>
-              <a:t>[MARKER_OPENING 56 -ERR:REF-NOT-FOUND-]    overhay ethay [MARKER_CLOSING 57 &lt;/a:t&gt;&lt;/a:r&gt;]   </a:t>
-            </a:r>
-            <a:r>
-              <a:rPr lang="fr-FR" dirty="0" err="1" smtClean="0"/>
-              <a:t>[MARKER_OPENING 58 -ERR:REF-NOT-FOUND-]   azylay[MARKER_CLOSING 59 &lt;/a:t&gt;&lt;/a:r&gt;]   </a:t>
-            </a:r>
-            <a:r>
-              <a:rPr lang="fr-FR" dirty="0" smtClean="0"/>
-              <a:t>[MARKER_OPENING 60 -ERR:REF-NOT-FOUND-]    ogday. [MARKER_CLOSING 61 &lt;/a:t&gt;&lt;/a:r&gt;]   </a:t>
+              <a:t>[MARKER_OPENING 0 -ERR:REF-NOT-FOUND-]   ethay uickqay [MARKER_CLOSING 1 &amp;lt;/a:t&gt;&amp;lt;/a:r&gt;]   </a:t>
+            </a:r>
+            <a:r>
+              <a:rPr lang="fr-FR" dirty="0" err="1" smtClean="0"/>
+              <a:t>[MARKER_OPENING 2 -ERR:REF-NOT-FOUND-]   ownbray[MARKER_CLOSING 3 &amp;lt;/a:t&gt;&amp;lt;/a:r&gt;]   </a:t>
+            </a:r>
+            <a:r>
+              <a:rPr lang="fr-FR" dirty="0" smtClean="0"/>
+              <a:t>[MARKER_OPENING 4 -ERR:REF-NOT-FOUND-]    oxfay [MARKER_CLOSING 5 &amp;lt;/a:t&gt;&amp;lt;/a:r&gt;]   </a:t>
+            </a:r>
+            <a:r>
+              <a:rPr lang="fr-FR" dirty="0" err="1" smtClean="0"/>
+              <a:t>[MARKER_OPENING 6 -ERR:REF-NOT-FOUND-]   umpsjay[MARKER_CLOSING 7 &amp;lt;/a:t&gt;&amp;lt;/a:r&gt;]   </a:t>
+            </a:r>
+            <a:r>
+              <a:rPr lang="fr-FR" dirty="0" smtClean="0"/>
+              <a:t>[MARKER_OPENING 8 -ERR:REF-NOT-FOUND-]    overhay ethay [MARKER_CLOSING 9 &amp;lt;/a:t&gt;&amp;lt;/a:r&gt;]   </a:t>
+            </a:r>
+            <a:r>
+              <a:rPr lang="fr-FR" dirty="0" err="1" smtClean="0"/>
+              <a:t>[MARKER_OPENING 10 -ERR:REF-NOT-FOUND-]   azylay[MARKER_CLOSING 11 &amp;lt;/a:t&gt;&amp;lt;/a:r&gt;]   </a:t>
+            </a:r>
+            <a:r>
+              <a:rPr lang="fr-FR" dirty="0" smtClean="0"/>
+              <a:t>[MARKER_OPENING 12 -ERR:REF-NOT-FOUND-]    ogday. ethay uickqay [MARKER_CLOSING 13 &amp;lt;/a:t&gt;&amp;lt;/a:r&gt;]   </a:t>
+            </a:r>
+            <a:r>
+              <a:rPr lang="fr-FR" dirty="0" err="1" smtClean="0"/>
+              <a:t>[MARKER_OPENING 14 -ERR:REF-NOT-FOUND-]   ownbray[MARKER_CLOSING 15 &amp;lt;/a:t&gt;&amp;lt;/a:r&gt;]   </a:t>
+            </a:r>
+            <a:r>
+              <a:rPr lang="fr-FR" dirty="0" smtClean="0"/>
+              <a:t>[MARKER_OPENING 16 -ERR:REF-NOT-FOUND-]    oxfay [MARKER_CLOSING 17 &amp;lt;/a:t&gt;&amp;lt;/a:r&gt;]   </a:t>
+            </a:r>
+            <a:r>
+              <a:rPr lang="fr-FR" dirty="0" err="1" smtClean="0"/>
+              <a:t>[MARKER_OPENING 18 -ERR:REF-NOT-FOUND-]   umpsjay[MARKER_CLOSING 19 &amp;lt;/a:t&gt;&amp;lt;/a:r&gt;]   </a:t>
+            </a:r>
+            <a:r>
+              <a:rPr lang="fr-FR" dirty="0" smtClean="0"/>
+              <a:t>[MARKER_OPENING 20 -ERR:REF-NOT-FOUND-]    overhay ethay [MARKER_CLOSING 21 &amp;lt;/a:t&gt;&amp;lt;/a:r&gt;]   </a:t>
+            </a:r>
+            <a:r>
+              <a:rPr lang="fr-FR" dirty="0" err="1" smtClean="0"/>
+              <a:t>[MARKER_OPENING 22 -ERR:REF-NOT-FOUND-]   azylay[MARKER_CLOSING 23 &amp;lt;/a:t&gt;&amp;lt;/a:r&gt;]   </a:t>
+            </a:r>
+            <a:r>
+              <a:rPr lang="fr-FR" dirty="0" smtClean="0"/>
+              <a:t>[MARKER_OPENING 24 -ERR:REF-NOT-FOUND-]    ogday. ethay uickqay [MARKER_CLOSING 25 &amp;lt;/a:t&gt;&amp;lt;/a:r&gt;]   </a:t>
+            </a:r>
+            <a:r>
+              <a:rPr lang="fr-FR" dirty="0" err="1" smtClean="0"/>
+              <a:t>[MARKER_OPENING 26 -ERR:REF-NOT-FOUND-]   ownbray[MARKER_CLOSING 27 &amp;lt;/a:t&gt;&amp;lt;/a:r&gt;]   </a:t>
+            </a:r>
+            <a:r>
+              <a:rPr lang="fr-FR" dirty="0" smtClean="0"/>
+              <a:t>[MARKER_OPENING 28 -ERR:REF-NOT-FOUND-]    oxfay [MARKER_CLOSING 29 &amp;lt;/a:t&gt;&amp;lt;/a:r&gt;]   </a:t>
+            </a:r>
+            <a:r>
+              <a:rPr lang="fr-FR" dirty="0" err="1" smtClean="0"/>
+              <a:t>[MARKER_OPENING 30 -ERR:REF-NOT-FOUND-]   umpsjay[MARKER_CLOSING 31 &amp;lt;/a:t&gt;&amp;lt;/a:r&gt;]   </a:t>
+            </a:r>
+            <a:r>
+              <a:rPr lang="fr-FR" dirty="0" smtClean="0"/>
+              <a:t>[MARKER_OPENING 32 -ERR:REF-NOT-FOUND-]    overhay ethay [MARKER_CLOSING 33 &amp;lt;/a:t&gt;&amp;lt;/a:r&gt;]   </a:t>
+            </a:r>
+            <a:r>
+              <a:rPr lang="fr-FR" dirty="0" err="1" smtClean="0"/>
+              <a:t>[MARKER_OPENING 34 -ERR:REF-NOT-FOUND-]   azylay[MARKER_CLOSING 35 &amp;lt;/a:t&gt;&amp;lt;/a:r&gt;]   </a:t>
+            </a:r>
+            <a:r>
+              <a:rPr lang="fr-FR" dirty="0" smtClean="0"/>
+              <a:t>[MARKER_OPENING 36 -ERR:REF-NOT-FOUND-]    ogday. ethay uickqay [MARKER_CLOSING 37 &amp;lt;/a:t&gt;&amp;lt;/a:r&gt;]   </a:t>
+            </a:r>
+            <a:r>
+              <a:rPr lang="fr-FR" dirty="0" err="1" smtClean="0"/>
+              <a:t>[MARKER_OPENING 38 -ERR:REF-NOT-FOUND-]   ownbray[MARKER_CLOSING 39 &amp;lt;/a:t&gt;&amp;lt;/a:r&gt;]   </a:t>
+            </a:r>
+            <a:r>
+              <a:rPr lang="fr-FR" dirty="0" smtClean="0"/>
+              <a:t>[MARKER_OPENING 40 -ERR:REF-NOT-FOUND-]    oxfay [MARKER_CLOSING 41 &amp;lt;/a:t&gt;&amp;lt;/a:r&gt;]   </a:t>
+            </a:r>
+            <a:r>
+              <a:rPr lang="fr-FR" dirty="0" err="1" smtClean="0"/>
+              <a:t>[MARKER_OPENING 42 -ERR:REF-NOT-FOUND-]   umpsjay[MARKER_CLOSING 43 &amp;lt;/a:t&gt;&amp;lt;/a:r&gt;]   </a:t>
+            </a:r>
+            <a:r>
+              <a:rPr lang="fr-FR" dirty="0" smtClean="0"/>
+              <a:t>[MARKER_OPENING 44 -ERR:REF-NOT-FOUND-]    overhay ethay [MARKER_CLOSING 45 &amp;lt;/a:t&gt;&amp;lt;/a:r&gt;]   </a:t>
+            </a:r>
+            <a:r>
+              <a:rPr lang="fr-FR" dirty="0" err="1" smtClean="0"/>
+              <a:t>[MARKER_OPENING 46 -ERR:REF-NOT-FOUND-]   azylay[MARKER_CLOSING 47 &amp;lt;/a:t&gt;&amp;lt;/a:r&gt;]   </a:t>
+            </a:r>
+            <a:r>
+              <a:rPr lang="fr-FR" dirty="0" smtClean="0"/>
+              <a:t>[MARKER_OPENING 48 -ERR:REF-NOT-FOUND-]    ogday. ethay uickqay [MARKER_CLOSING 49 &amp;lt;/a:t&gt;&amp;lt;/a:r&gt;]   </a:t>
+            </a:r>
+            <a:r>
+              <a:rPr lang="fr-FR" dirty="0" err="1" smtClean="0"/>
+              <a:t>[MARKER_OPENING 50 -ERR:REF-NOT-FOUND-]   ownbray[MARKER_CLOSING 51 &amp;lt;/a:t&gt;&amp;lt;/a:r&gt;]   </a:t>
+            </a:r>
+            <a:r>
+              <a:rPr lang="fr-FR" dirty="0" smtClean="0"/>
+              <a:t>[MARKER_OPENING 52 -ERR:REF-NOT-FOUND-]    oxfay [MARKER_CLOSING 53 &amp;lt;/a:t&gt;&amp;lt;/a:r&gt;]   </a:t>
+            </a:r>
+            <a:r>
+              <a:rPr lang="fr-FR" dirty="0" err="1" smtClean="0"/>
+              <a:t>[MARKER_OPENING 54 -ERR:REF-NOT-FOUND-]   umpsjay[MARKER_CLOSING 55 &amp;lt;/a:t&gt;&amp;lt;/a:r&gt;]   </a:t>
+            </a:r>
+            <a:r>
+              <a:rPr lang="fr-FR" dirty="0" smtClean="0"/>
+              <a:t>[MARKER_OPENING 56 -ERR:REF-NOT-FOUND-]    overhay ethay [MARKER_CLOSING 57 &amp;lt;/a:t&gt;&amp;lt;/a:r&gt;]   </a:t>
+            </a:r>
+            <a:r>
+              <a:rPr lang="fr-FR" dirty="0" err="1" smtClean="0"/>
+              <a:t>[MARKER_OPENING 58 -ERR:REF-NOT-FOUND-]   azylay[MARKER_CLOSING 59 &amp;lt;/a:t&gt;&amp;lt;/a:r&gt;]   </a:t>
+            </a:r>
+            <a:r>
+              <a:rPr lang="fr-FR" dirty="0" smtClean="0"/>
+              <a:t>[MARKER_OPENING 60 -ERR:REF-NOT-FOUND-]    ogday. [MARKER_CLOSING 61 &amp;lt;/a:t&gt;&amp;lt;/a:r&gt;]   </a:t>
             </a:r>
             <a:br>
               <a:rPr lang="fr-FR" dirty="0" smtClean="0"/>
@@ -3238,127 +3238,127 @@
             </a:br>
             <a:r>
               <a:rPr lang="fr-FR" dirty="0" smtClean="0"/>
-              <a:t>[MARKER_OPENING 65 -ERR:REF-NOT-FOUND-]   ethay uickqay [MARKER_CLOSING 66 &lt;/a:t&gt;&lt;/a:r&gt;]   </a:t>
-            </a:r>
-            <a:r>
-              <a:rPr lang="fr-FR" dirty="0" err="1" smtClean="0"/>
-              <a:t>[MARKER_OPENING 67 -ERR:REF-NOT-FOUND-]   ownbray[MARKER_CLOSING 68 &lt;/a:t&gt;&lt;/a:r&gt;]   </a:t>
-            </a:r>
-            <a:r>
-              <a:rPr lang="fr-FR" dirty="0" smtClean="0"/>
-              <a:t>[MARKER_OPENING 69 -ERR:REF-NOT-FOUND-]    oxfay [MARKER_CLOSING 70 &lt;/a:t&gt;&lt;/a:r&gt;]   </a:t>
-            </a:r>
-            <a:r>
-              <a:rPr lang="fr-FR" dirty="0" err="1" smtClean="0"/>
-              <a:t>[MARKER_OPENING 71 -ERR:REF-NOT-FOUND-]   umpsjay[MARKER_CLOSING 72 &lt;/a:t&gt;&lt;/a:r&gt;]   </a:t>
-            </a:r>
-            <a:r>
-              <a:rPr lang="fr-FR" dirty="0" smtClean="0"/>
-              <a:t>[MARKER_OPENING 73 -ERR:REF-NOT-FOUND-]    overhay ethay [MARKER_CLOSING 74 &lt;/a:t&gt;&lt;/a:r&gt;]   </a:t>
-            </a:r>
-            <a:r>
-              <a:rPr lang="fr-FR" dirty="0" err="1" smtClean="0"/>
-              <a:t>[MARKER_OPENING 75 -ERR:REF-NOT-FOUND-]   azylay[MARKER_CLOSING 76 &lt;/a:t&gt;&lt;/a:r&gt;]   </a:t>
-            </a:r>
-            <a:r>
-              <a:rPr lang="fr-FR" dirty="0" smtClean="0"/>
-              <a:t>[MARKER_OPENING 77 -ERR:REF-NOT-FOUND-]    ogday. ethay uickqay [MARKER_CLOSING 78 &lt;/a:t&gt;&lt;/a:r&gt;]   </a:t>
-            </a:r>
-            <a:r>
-              <a:rPr lang="fr-FR" dirty="0" err="1" smtClean="0"/>
-              <a:t>[MARKER_OPENING 79 -ERR:REF-NOT-FOUND-]   ownbray[MARKER_CLOSING 80 &lt;/a:t&gt;&lt;/a:r&gt;]   </a:t>
-            </a:r>
-            <a:r>
-              <a:rPr lang="fr-FR" dirty="0" smtClean="0"/>
-              <a:t>[MARKER_OPENING 81 -ERR:REF-NOT-FOUND-]    oxfay [MARKER_CLOSING 82 &lt;/a:t&gt;&lt;/a:r&gt;]   </a:t>
-            </a:r>
-            <a:r>
-              <a:rPr lang="fr-FR" dirty="0" err="1" smtClean="0"/>
-              <a:t>[MARKER_OPENING 83 -ERR:REF-NOT-FOUND-]   umpsjay[MARKER_CLOSING 84 &lt;/a:t&gt;&lt;/a:r&gt;]   </a:t>
-            </a:r>
-            <a:r>
-              <a:rPr lang="fr-FR" dirty="0" smtClean="0"/>
-              <a:t>[MARKER_OPENING 85 -ERR:REF-NOT-FOUND-]    overhay ethay [MARKER_CLOSING 86 &lt;/a:t&gt;&lt;/a:r&gt;]   </a:t>
-            </a:r>
-            <a:r>
-              <a:rPr lang="fr-FR" dirty="0" err="1" smtClean="0"/>
-              <a:t>[MARKER_OPENING 87 -ERR:REF-NOT-FOUND-]   azylay[MARKER_CLOSING 88 &lt;/a:t&gt;&lt;/a:r&gt;]   </a:t>
-            </a:r>
-            <a:r>
-              <a:rPr lang="fr-FR" dirty="0" smtClean="0"/>
-              <a:t>[MARKER_OPENING 89 -ERR:REF-NOT-FOUND-]    ogday. ethay uickqay [MARKER_CLOSING 90 &lt;/a:t&gt;&lt;/a:r&gt;]   </a:t>
-            </a:r>
-            <a:r>
-              <a:rPr lang="fr-FR" dirty="0" err="1" smtClean="0"/>
-              <a:t>[MARKER_OPENING 91 -ERR:REF-NOT-FOUND-]   ownbray[MARKER_CLOSING 92 &lt;/a:t&gt;&lt;/a:r&gt;]   </a:t>
-            </a:r>
-            <a:r>
-              <a:rPr lang="fr-FR" dirty="0" smtClean="0"/>
-              <a:t>[MARKER_OPENING 93 -ERR:REF-NOT-FOUND-]    oxfay [MARKER_CLOSING 94 &lt;/a:t&gt;&lt;/a:r&gt;]   </a:t>
-            </a:r>
-            <a:r>
-              <a:rPr lang="fr-FR" dirty="0" err="1" smtClean="0"/>
-              <a:t>[MARKER_OPENING 95 -ERR:REF-NOT-FOUND-]   umpsjay[MARKER_CLOSING 96 &lt;/a:t&gt;&lt;/a:r&gt;]   </a:t>
-            </a:r>
-            <a:r>
-              <a:rPr lang="fr-FR" dirty="0" smtClean="0"/>
-              <a:t>[MARKER_OPENING 97 -ERR:REF-NOT-FOUND-]    overhay ethay [MARKER_CLOSING 98 &lt;/a:t&gt;&lt;/a:r&gt;]   </a:t>
-            </a:r>
-            <a:r>
-              <a:rPr lang="fr-FR" dirty="0" err="1" smtClean="0"/>
-              <a:t>[MARKER_OPENING 99 -ERR:REF-NOT-FOUND-]   azylay[MARKER_CLOSING 100 &lt;/a:t&gt;&lt;/a:r&gt;]   </a:t>
-            </a:r>
-            <a:r>
-              <a:rPr lang="fr-FR" dirty="0" smtClean="0"/>
-              <a:t>[MARKER_OPENING 101 -ERR:REF-NOT-FOUND-]    ogday. ethay uickqay [MARKER_CLOSING 102 &lt;/a:t&gt;&lt;/a:r&gt;]   </a:t>
-            </a:r>
-            <a:r>
-              <a:rPr lang="fr-FR" dirty="0" err="1" smtClean="0"/>
-              <a:t>[MARKER_OPENING 103 -ERR:REF-NOT-FOUND-]   ownbray[MARKER_CLOSING 104 &lt;/a:t&gt;&lt;/a:r&gt;]   </a:t>
-            </a:r>
-            <a:r>
-              <a:rPr lang="fr-FR" dirty="0" smtClean="0"/>
-              <a:t>[MARKER_OPENING 105 -ERR:REF-NOT-FOUND-]    oxfay [MARKER_CLOSING 106 &lt;/a:t&gt;&lt;/a:r&gt;]   </a:t>
-            </a:r>
-            <a:r>
-              <a:rPr lang="fr-FR" dirty="0" err="1" smtClean="0"/>
-              <a:t>[MARKER_OPENING 107 -ERR:REF-NOT-FOUND-]   umpsjay[MARKER_CLOSING 108 &lt;/a:t&gt;&lt;/a:r&gt;]   </a:t>
-            </a:r>
-            <a:r>
-              <a:rPr lang="fr-FR" dirty="0" smtClean="0"/>
-              <a:t>[MARKER_OPENING 109 -ERR:REF-NOT-FOUND-]    overhay ethay [MARKER_CLOSING 110 &lt;/a:t&gt;&lt;/a:r&gt;]   </a:t>
-            </a:r>
-            <a:r>
-              <a:rPr lang="fr-FR" dirty="0" err="1" smtClean="0"/>
-              <a:t>[MARKER_OPENING 111 -ERR:REF-NOT-FOUND-]   azylay[MARKER_CLOSING 112 &lt;/a:t&gt;&lt;/a:r&gt;]   </a:t>
-            </a:r>
-            <a:r>
-              <a:rPr lang="fr-FR" dirty="0" smtClean="0"/>
-              <a:t>[MARKER_OPENING 113 -ERR:REF-NOT-FOUND-]    ogday. ethay uickqay [MARKER_CLOSING 114 &lt;/a:t&gt;&lt;/a:r&gt;]   </a:t>
-            </a:r>
-            <a:r>
-              <a:rPr lang="fr-FR" dirty="0" err="1" smtClean="0"/>
-              <a:t>[MARKER_OPENING 115 -ERR:REF-NOT-FOUND-]   ownbray[MARKER_CLOSING 116 &lt;/a:t&gt;&lt;/a:r&gt;]   </a:t>
-            </a:r>
-            <a:r>
-              <a:rPr lang="fr-FR" dirty="0" smtClean="0"/>
-              <a:t>[MARKER_OPENING 117 -ERR:REF-NOT-FOUND-]    oxfay [MARKER_CLOSING 118 &lt;/a:t&gt;&lt;/a:r&gt;]   </a:t>
-            </a:r>
-            <a:r>
-              <a:rPr lang="fr-FR" dirty="0" err="1" smtClean="0"/>
-              <a:t>[MARKER_OPENING 119 -ERR:REF-NOT-FOUND-]   umpsjay[MARKER_CLOSING 120 &lt;/a:t&gt;&lt;/a:r&gt;]   </a:t>
-            </a:r>
-            <a:r>
-              <a:rPr lang="fr-FR" dirty="0" smtClean="0"/>
-              <a:t>[MARKER_OPENING 121 -ERR:REF-NOT-FOUND-]    overhay ethay [MARKER_CLOSING 122 &lt;/a:t&gt;&lt;/a:r&gt;]   </a:t>
-            </a:r>
-            <a:r>
-              <a:rPr lang="fr-FR" dirty="0" err="1" smtClean="0"/>
-              <a:t>[MARKER_OPENING 123 -ERR:REF-NOT-FOUND-]   azylay[MARKER_CLOSING 124 &lt;/a:t&gt;&lt;/a:r&gt;]   </a:t>
-            </a:r>
-            <a:r>
-              <a:rPr lang="fr-FR" dirty="0" smtClean="0"/>
-              <a:t>[MARKER_OPENING 125 -ERR:REF-NOT-FOUND-]    ogday. [MARKER_CLOSING 126 &lt;/a:t&gt;&lt;/a:r&gt;]   </a:t>
+              <a:t>[MARKER_OPENING 65 -ERR:REF-NOT-FOUND-]   ethay uickqay [MARKER_CLOSING 66 &amp;lt;/a:t&gt;&amp;lt;/a:r&gt;]   </a:t>
+            </a:r>
+            <a:r>
+              <a:rPr lang="fr-FR" dirty="0" err="1" smtClean="0"/>
+              <a:t>[MARKER_OPENING 67 -ERR:REF-NOT-FOUND-]   ownbray[MARKER_CLOSING 68 &amp;lt;/a:t&gt;&amp;lt;/a:r&gt;]   </a:t>
+            </a:r>
+            <a:r>
+              <a:rPr lang="fr-FR" dirty="0" smtClean="0"/>
+              <a:t>[MARKER_OPENING 69 -ERR:REF-NOT-FOUND-]    oxfay [MARKER_CLOSING 70 &amp;lt;/a:t&gt;&amp;lt;/a:r&gt;]   </a:t>
+            </a:r>
+            <a:r>
+              <a:rPr lang="fr-FR" dirty="0" err="1" smtClean="0"/>
+              <a:t>[MARKER_OPENING 71 -ERR:REF-NOT-FOUND-]   umpsjay[MARKER_CLOSING 72 &amp;lt;/a:t&gt;&amp;lt;/a:r&gt;]   </a:t>
+            </a:r>
+            <a:r>
+              <a:rPr lang="fr-FR" dirty="0" smtClean="0"/>
+              <a:t>[MARKER_OPENING 73 -ERR:REF-NOT-FOUND-]    overhay ethay [MARKER_CLOSING 74 &amp;lt;/a:t&gt;&amp;lt;/a:r&gt;]   </a:t>
+            </a:r>
+            <a:r>
+              <a:rPr lang="fr-FR" dirty="0" err="1" smtClean="0"/>
+              <a:t>[MARKER_OPENING 75 -ERR:REF-NOT-FOUND-]   azylay[MARKER_CLOSING 76 &amp;lt;/a:t&gt;&amp;lt;/a:r&gt;]   </a:t>
+            </a:r>
+            <a:r>
+              <a:rPr lang="fr-FR" dirty="0" smtClean="0"/>
+              <a:t>[MARKER_OPENING 77 -ERR:REF-NOT-FOUND-]    ogday. ethay uickqay [MARKER_CLOSING 78 &amp;lt;/a:t&gt;&amp;lt;/a:r&gt;]   </a:t>
+            </a:r>
+            <a:r>
+              <a:rPr lang="fr-FR" dirty="0" err="1" smtClean="0"/>
+              <a:t>[MARKER_OPENING 79 -ERR:REF-NOT-FOUND-]   ownbray[MARKER_CLOSING 80 &amp;lt;/a:t&gt;&amp;lt;/a:r&gt;]   </a:t>
+            </a:r>
+            <a:r>
+              <a:rPr lang="fr-FR" dirty="0" smtClean="0"/>
+              <a:t>[MARKER_OPENING 81 -ERR:REF-NOT-FOUND-]    oxfay [MARKER_CLOSING 82 &amp;lt;/a:t&gt;&amp;lt;/a:r&gt;]   </a:t>
+            </a:r>
+            <a:r>
+              <a:rPr lang="fr-FR" dirty="0" err="1" smtClean="0"/>
+              <a:t>[MARKER_OPENING 83 -ERR:REF-NOT-FOUND-]   umpsjay[MARKER_CLOSING 84 &amp;lt;/a:t&gt;&amp;lt;/a:r&gt;]   </a:t>
+            </a:r>
+            <a:r>
+              <a:rPr lang="fr-FR" dirty="0" smtClean="0"/>
+              <a:t>[MARKER_OPENING 85 -ERR:REF-NOT-FOUND-]    overhay ethay [MARKER_CLOSING 86 &amp;lt;/a:t&gt;&amp;lt;/a:r&gt;]   </a:t>
+            </a:r>
+            <a:r>
+              <a:rPr lang="fr-FR" dirty="0" err="1" smtClean="0"/>
+              <a:t>[MARKER_OPENING 87 -ERR:REF-NOT-FOUND-]   azylay[MARKER_CLOSING 88 &amp;lt;/a:t&gt;&amp;lt;/a:r&gt;]   </a:t>
+            </a:r>
+            <a:r>
+              <a:rPr lang="fr-FR" dirty="0" smtClean="0"/>
+              <a:t>[MARKER_OPENING 89 -ERR:REF-NOT-FOUND-]    ogday. ethay uickqay [MARKER_CLOSING 90 &amp;lt;/a:t&gt;&amp;lt;/a:r&gt;]   </a:t>
+            </a:r>
+            <a:r>
+              <a:rPr lang="fr-FR" dirty="0" err="1" smtClean="0"/>
+              <a:t>[MARKER_OPENING 91 -ERR:REF-NOT-FOUND-]   ownbray[MARKER_CLOSING 92 &amp;lt;/a:t&gt;&amp;lt;/a:r&gt;]   </a:t>
+            </a:r>
+            <a:r>
+              <a:rPr lang="fr-FR" dirty="0" smtClean="0"/>
+              <a:t>[MARKER_OPENING 93 -ERR:REF-NOT-FOUND-]    oxfay [MARKER_CLOSING 94 &amp;lt;/a:t&gt;&amp;lt;/a:r&gt;]   </a:t>
+            </a:r>
+            <a:r>
+              <a:rPr lang="fr-FR" dirty="0" err="1" smtClean="0"/>
+              <a:t>[MARKER_OPENING 95 -ERR:REF-NOT-FOUND-]   umpsjay[MARKER_CLOSING 96 &amp;lt;/a:t&gt;&amp;lt;/a:r&gt;]   </a:t>
+            </a:r>
+            <a:r>
+              <a:rPr lang="fr-FR" dirty="0" smtClean="0"/>
+              <a:t>[MARKER_OPENING 97 -ERR:REF-NOT-FOUND-]    overhay ethay [MARKER_CLOSING 98 &amp;lt;/a:t&gt;&amp;lt;/a:r&gt;]   </a:t>
+            </a:r>
+            <a:r>
+              <a:rPr lang="fr-FR" dirty="0" err="1" smtClean="0"/>
+              <a:t>[MARKER_OPENING 99 -ERR:REF-NOT-FOUND-]   azylay[MARKER_CLOSING 100 &amp;lt;/a:t&gt;&amp;lt;/a:r&gt;]   </a:t>
+            </a:r>
+            <a:r>
+              <a:rPr lang="fr-FR" dirty="0" smtClean="0"/>
+              <a:t>[MARKER_OPENING 101 -ERR:REF-NOT-FOUND-]    ogday. ethay uickqay [MARKER_CLOSING 102 &amp;lt;/a:t&gt;&amp;lt;/a:r&gt;]   </a:t>
+            </a:r>
+            <a:r>
+              <a:rPr lang="fr-FR" dirty="0" err="1" smtClean="0"/>
+              <a:t>[MARKER_OPENING 103 -ERR:REF-NOT-FOUND-]   ownbray[MARKER_CLOSING 104 &amp;lt;/a:t&gt;&amp;lt;/a:r&gt;]   </a:t>
+            </a:r>
+            <a:r>
+              <a:rPr lang="fr-FR" dirty="0" smtClean="0"/>
+              <a:t>[MARKER_OPENING 105 -ERR:REF-NOT-FOUND-]    oxfay [MARKER_CLOSING 106 &amp;lt;/a:t&gt;&amp;lt;/a:r&gt;]   </a:t>
+            </a:r>
+            <a:r>
+              <a:rPr lang="fr-FR" dirty="0" err="1" smtClean="0"/>
+              <a:t>[MARKER_OPENING 107 -ERR:REF-NOT-FOUND-]   umpsjay[MARKER_CLOSING 108 &amp;lt;/a:t&gt;&amp;lt;/a:r&gt;]   </a:t>
+            </a:r>
+            <a:r>
+              <a:rPr lang="fr-FR" dirty="0" smtClean="0"/>
+              <a:t>[MARKER_OPENING 109 -ERR:REF-NOT-FOUND-]    overhay ethay [MARKER_CLOSING 110 &amp;lt;/a:t&gt;&amp;lt;/a:r&gt;]   </a:t>
+            </a:r>
+            <a:r>
+              <a:rPr lang="fr-FR" dirty="0" err="1" smtClean="0"/>
+              <a:t>[MARKER_OPENING 111 -ERR:REF-NOT-FOUND-]   azylay[MARKER_CLOSING 112 &amp;lt;/a:t&gt;&amp;lt;/a:r&gt;]   </a:t>
+            </a:r>
+            <a:r>
+              <a:rPr lang="fr-FR" dirty="0" smtClean="0"/>
+              <a:t>[MARKER_OPENING 113 -ERR:REF-NOT-FOUND-]    ogday. ethay uickqay [MARKER_CLOSING 114 &amp;lt;/a:t&gt;&amp;lt;/a:r&gt;]   </a:t>
+            </a:r>
+            <a:r>
+              <a:rPr lang="fr-FR" dirty="0" err="1" smtClean="0"/>
+              <a:t>[MARKER_OPENING 115 -ERR:REF-NOT-FOUND-]   ownbray[MARKER_CLOSING 116 &amp;lt;/a:t&gt;&amp;lt;/a:r&gt;]   </a:t>
+            </a:r>
+            <a:r>
+              <a:rPr lang="fr-FR" dirty="0" smtClean="0"/>
+              <a:t>[MARKER_OPENING 117 -ERR:REF-NOT-FOUND-]    oxfay [MARKER_CLOSING 118 &amp;lt;/a:t&gt;&amp;lt;/a:r&gt;]   </a:t>
+            </a:r>
+            <a:r>
+              <a:rPr lang="fr-FR" dirty="0" err="1" smtClean="0"/>
+              <a:t>[MARKER_OPENING 119 -ERR:REF-NOT-FOUND-]   umpsjay[MARKER_CLOSING 120 &amp;lt;/a:t&gt;&amp;lt;/a:r&gt;]   </a:t>
+            </a:r>
+            <a:r>
+              <a:rPr lang="fr-FR" dirty="0" smtClean="0"/>
+              <a:t>[MARKER_OPENING 121 -ERR:REF-NOT-FOUND-]    overhay ethay [MARKER_CLOSING 122 &amp;lt;/a:t&gt;&amp;lt;/a:r&gt;]   </a:t>
+            </a:r>
+            <a:r>
+              <a:rPr lang="fr-FR" dirty="0" err="1" smtClean="0"/>
+              <a:t>[MARKER_OPENING 123 -ERR:REF-NOT-FOUND-]   azylay[MARKER_CLOSING 124 &amp;lt;/a:t&gt;&amp;lt;/a:r&gt;]   </a:t>
+            </a:r>
+            <a:r>
+              <a:rPr lang="fr-FR" dirty="0" smtClean="0"/>
+              <a:t>[MARKER_OPENING 125 -ERR:REF-NOT-FOUND-]    ogday. [MARKER_CLOSING 126 &amp;lt;/a:t&gt;&amp;lt;/a:r&gt;]   </a:t>
             </a:r>
             <a:br>
               <a:rPr lang="fr-FR" dirty="0" smtClean="0"/>
@@ -3372,127 +3372,127 @@
             </a:br>
             <a:r>
               <a:rPr lang="fr-FR" dirty="0" smtClean="0"/>
-              <a:t>[MARKER_OPENING 130 -ERR:REF-NOT-FOUND-]   ethay uickqay [MARKER_CLOSING 131 &lt;/a:t&gt;&lt;/a:r&gt;]   </a:t>
-            </a:r>
-            <a:r>
-              <a:rPr lang="fr-FR" dirty="0" err="1" smtClean="0"/>
-              <a:t>[MARKER_OPENING 132 -ERR:REF-NOT-FOUND-]   ownbray[MARKER_CLOSING 133 &lt;/a:t&gt;&lt;/a:r&gt;]   </a:t>
-            </a:r>
-            <a:r>
-              <a:rPr lang="fr-FR" dirty="0" smtClean="0"/>
-              <a:t>[MARKER_OPENING 134 -ERR:REF-NOT-FOUND-]    oxfay [MARKER_CLOSING 135 &lt;/a:t&gt;&lt;/a:r&gt;]   </a:t>
-            </a:r>
-            <a:r>
-              <a:rPr lang="fr-FR" dirty="0" err="1" smtClean="0"/>
-              <a:t>[MARKER_OPENING 136 -ERR:REF-NOT-FOUND-]   umpsjay[MARKER_CLOSING 137 &lt;/a:t&gt;&lt;/a:r&gt;]   </a:t>
-            </a:r>
-            <a:r>
-              <a:rPr lang="fr-FR" dirty="0" smtClean="0"/>
-              <a:t>[MARKER_OPENING 138 -ERR:REF-NOT-FOUND-]    overhay ethay [MARKER_CLOSING 139 &lt;/a:t&gt;&lt;/a:r&gt;]   </a:t>
-            </a:r>
-            <a:r>
-              <a:rPr lang="fr-FR" dirty="0" err="1" smtClean="0"/>
-              <a:t>[MARKER_OPENING 140 -ERR:REF-NOT-FOUND-]   azylay[MARKER_CLOSING 141 &lt;/a:t&gt;&lt;/a:r&gt;]   </a:t>
-            </a:r>
-            <a:r>
-              <a:rPr lang="fr-FR" dirty="0" smtClean="0"/>
-              <a:t>[MARKER_OPENING 142 -ERR:REF-NOT-FOUND-]    ogday. ethay uickqay [MARKER_CLOSING 143 &lt;/a:t&gt;&lt;/a:r&gt;]   </a:t>
-            </a:r>
-            <a:r>
-              <a:rPr lang="fr-FR" dirty="0" err="1" smtClean="0"/>
-              <a:t>[MARKER_OPENING 144 -ERR:REF-NOT-FOUND-]   ownbray[MARKER_CLOSING 145 &lt;/a:t&gt;&lt;/a:r&gt;]   </a:t>
-            </a:r>
-            <a:r>
-              <a:rPr lang="fr-FR" dirty="0" smtClean="0"/>
-              <a:t>[MARKER_OPENING 146 -ERR:REF-NOT-FOUND-]    oxfay [MARKER_CLOSING 147 &lt;/a:t&gt;&lt;/a:r&gt;]   </a:t>
-            </a:r>
-            <a:r>
-              <a:rPr lang="fr-FR" dirty="0" err="1" smtClean="0"/>
-              <a:t>[MARKER_OPENING 148 -ERR:REF-NOT-FOUND-]   umpsjay[MARKER_CLOSING 149 &lt;/a:t&gt;&lt;/a:r&gt;]   </a:t>
-            </a:r>
-            <a:r>
-              <a:rPr lang="fr-FR" dirty="0" smtClean="0"/>
-              <a:t>[MARKER_OPENING 150 -ERR:REF-NOT-FOUND-]    overhay ethay [MARKER_CLOSING 151 &lt;/a:t&gt;&lt;/a:r&gt;]   </a:t>
-            </a:r>
-            <a:r>
-              <a:rPr lang="fr-FR" dirty="0" err="1" smtClean="0"/>
-              <a:t>[MARKER_OPENING 152 -ERR:REF-NOT-FOUND-]   azylay[MARKER_CLOSING 153 &lt;/a:t&gt;&lt;/a:r&gt;]   </a:t>
-            </a:r>
-            <a:r>
-              <a:rPr lang="fr-FR" dirty="0" smtClean="0"/>
-              <a:t>[MARKER_OPENING 154 -ERR:REF-NOT-FOUND-]    ogday. ethay uickqay [MARKER_CLOSING 155 &lt;/a:t&gt;&lt;/a:r&gt;]   </a:t>
-            </a:r>
-            <a:r>
-              <a:rPr lang="fr-FR" dirty="0" err="1" smtClean="0"/>
-              <a:t>[MARKER_OPENING 156 -ERR:REF-NOT-FOUND-]   ownbray[MARKER_CLOSING 157 &lt;/a:t&gt;&lt;/a:r&gt;]   </a:t>
-            </a:r>
-            <a:r>
-              <a:rPr lang="fr-FR" dirty="0" smtClean="0"/>
-              <a:t>[MARKER_OPENING 158 -ERR:REF-NOT-FOUND-]    oxfay [MARKER_CLOSING 159 &lt;/a:t&gt;&lt;/a:r&gt;]   </a:t>
-            </a:r>
-            <a:r>
-              <a:rPr lang="fr-FR" dirty="0" err="1" smtClean="0"/>
-              <a:t>[MARKER_OPENING 160 -ERR:REF-NOT-FOUND-]   umpsjay[MARKER_CLOSING 161 &lt;/a:t&gt;&lt;/a:r&gt;]   </a:t>
-            </a:r>
-            <a:r>
-              <a:rPr lang="fr-FR" dirty="0" smtClean="0"/>
-              <a:t>[MARKER_OPENING 162 -ERR:REF-NOT-FOUND-]    overhay ethay [MARKER_CLOSING 163 &lt;/a:t&gt;&lt;/a:r&gt;]   </a:t>
-            </a:r>
-            <a:r>
-              <a:rPr lang="fr-FR" dirty="0" err="1" smtClean="0"/>
-              <a:t>[MARKER_OPENING 164 -ERR:REF-NOT-FOUND-]   azylay[MARKER_CLOSING 165 &lt;/a:t&gt;&lt;/a:r&gt;]   </a:t>
-            </a:r>
-            <a:r>
-              <a:rPr lang="fr-FR" dirty="0" smtClean="0"/>
-              <a:t>[MARKER_OPENING 166 -ERR:REF-NOT-FOUND-]    ogday. ethay uickqay [MARKER_CLOSING 167 &lt;/a:t&gt;&lt;/a:r&gt;]   </a:t>
-            </a:r>
-            <a:r>
-              <a:rPr lang="fr-FR" dirty="0" err="1" smtClean="0"/>
-              <a:t>[MARKER_OPENING 168 -ERR:REF-NOT-FOUND-]   ownbray[MARKER_CLOSING 169 &lt;/a:t&gt;&lt;/a:r&gt;]   </a:t>
-            </a:r>
-            <a:r>
-              <a:rPr lang="fr-FR" dirty="0" smtClean="0"/>
-              <a:t>[MARKER_OPENING 170 -ERR:REF-NOT-FOUND-]    oxfay [MARKER_CLOSING 171 &lt;/a:t&gt;&lt;/a:r&gt;]   </a:t>
-            </a:r>
-            <a:r>
-              <a:rPr lang="fr-FR" dirty="0" err="1" smtClean="0"/>
-              <a:t>[MARKER_OPENING 172 -ERR:REF-NOT-FOUND-]   umpsjay[MARKER_CLOSING 173 &lt;/a:t&gt;&lt;/a:r&gt;]   </a:t>
-            </a:r>
-            <a:r>
-              <a:rPr lang="fr-FR" dirty="0" smtClean="0"/>
-              <a:t>[MARKER_OPENING 174 -ERR:REF-NOT-FOUND-]    overhay ethay [MARKER_CLOSING 175 &lt;/a:t&gt;&lt;/a:r&gt;]   </a:t>
-            </a:r>
-            <a:r>
-              <a:rPr lang="fr-FR" dirty="0" err="1" smtClean="0"/>
-              <a:t>[MARKER_OPENING 176 -ERR:REF-NOT-FOUND-]   azylay[MARKER_CLOSING 177 &lt;/a:t&gt;&lt;/a:r&gt;]   </a:t>
-            </a:r>
-            <a:r>
-              <a:rPr lang="fr-FR" dirty="0" smtClean="0"/>
-              <a:t>[MARKER_OPENING 178 -ERR:REF-NOT-FOUND-]    ogday. ethay uickqay [MARKER_CLOSING 179 &lt;/a:t&gt;&lt;/a:r&gt;]   </a:t>
-            </a:r>
-            <a:r>
-              <a:rPr lang="fr-FR" dirty="0" err="1" smtClean="0"/>
-              <a:t>[MARKER_OPENING 180 -ERR:REF-NOT-FOUND-]   ownbray[MARKER_CLOSING 181 &lt;/a:t&gt;&lt;/a:r&gt;]   </a:t>
-            </a:r>
-            <a:r>
-              <a:rPr lang="fr-FR" dirty="0" smtClean="0"/>
-              <a:t>[MARKER_OPENING 182 -ERR:REF-NOT-FOUND-]    oxfay [MARKER_CLOSING 183 &lt;/a:t&gt;&lt;/a:r&gt;]   </a:t>
-            </a:r>
-            <a:r>
-              <a:rPr lang="fr-FR" dirty="0" err="1" smtClean="0"/>
-              <a:t>[MARKER_OPENING 184 -ERR:REF-NOT-FOUND-]   umpsjay[MARKER_CLOSING 185 &lt;/a:t&gt;&lt;/a:r&gt;]   </a:t>
-            </a:r>
-            <a:r>
-              <a:rPr lang="fr-FR" dirty="0" smtClean="0"/>
-              <a:t>[MARKER_OPENING 186 -ERR:REF-NOT-FOUND-]    overhay ethay [MARKER_CLOSING 187 &lt;/a:t&gt;&lt;/a:r&gt;]   </a:t>
-            </a:r>
-            <a:r>
-              <a:rPr lang="fr-FR" dirty="0" err="1" smtClean="0"/>
-              <a:t>[MARKER_OPENING 188 -ERR:REF-NOT-FOUND-]   azylay[MARKER_CLOSING 189 &lt;/a:t&gt;&lt;/a:r&gt;]   </a:t>
-            </a:r>
-            <a:r>
-              <a:rPr lang="fr-FR" dirty="0" smtClean="0"/>
-              <a:t>[MARKER_OPENING 190 -ERR:REF-NOT-FOUND-]    ogday. [MARKER_CLOSING 191 &lt;/a:t&gt;&lt;/a:r&gt;]   </a:t>
+              <a:t>[MARKER_OPENING 130 -ERR:REF-NOT-FOUND-]   ethay uickqay [MARKER_CLOSING 131 &amp;lt;/a:t&gt;&amp;lt;/a:r&gt;]   </a:t>
+            </a:r>
+            <a:r>
+              <a:rPr lang="fr-FR" dirty="0" err="1" smtClean="0"/>
+              <a:t>[MARKER_OPENING 132 -ERR:REF-NOT-FOUND-]   ownbray[MARKER_CLOSING 133 &amp;lt;/a:t&gt;&amp;lt;/a:r&gt;]   </a:t>
+            </a:r>
+            <a:r>
+              <a:rPr lang="fr-FR" dirty="0" smtClean="0"/>
+              <a:t>[MARKER_OPENING 134 -ERR:REF-NOT-FOUND-]    oxfay [MARKER_CLOSING 135 &amp;lt;/a:t&gt;&amp;lt;/a:r&gt;]   </a:t>
+            </a:r>
+            <a:r>
+              <a:rPr lang="fr-FR" dirty="0" err="1" smtClean="0"/>
+              <a:t>[MARKER_OPENING 136 -ERR:REF-NOT-FOUND-]   umpsjay[MARKER_CLOSING 137 &amp;lt;/a:t&gt;&amp;lt;/a:r&gt;]   </a:t>
+            </a:r>
+            <a:r>
+              <a:rPr lang="fr-FR" dirty="0" smtClean="0"/>
+              <a:t>[MARKER_OPENING 138 -ERR:REF-NOT-FOUND-]    overhay ethay [MARKER_CLOSING 139 &amp;lt;/a:t&gt;&amp;lt;/a:r&gt;]   </a:t>
+            </a:r>
+            <a:r>
+              <a:rPr lang="fr-FR" dirty="0" err="1" smtClean="0"/>
+              <a:t>[MARKER_OPENING 140 -ERR:REF-NOT-FOUND-]   azylay[MARKER_CLOSING 141 &amp;lt;/a:t&gt;&amp;lt;/a:r&gt;]   </a:t>
+            </a:r>
+            <a:r>
+              <a:rPr lang="fr-FR" dirty="0" smtClean="0"/>
+              <a:t>[MARKER_OPENING 142 -ERR:REF-NOT-FOUND-]    ogday. ethay uickqay [MARKER_CLOSING 143 &amp;lt;/a:t&gt;&amp;lt;/a:r&gt;]   </a:t>
+            </a:r>
+            <a:r>
+              <a:rPr lang="fr-FR" dirty="0" err="1" smtClean="0"/>
+              <a:t>[MARKER_OPENING 144 -ERR:REF-NOT-FOUND-]   ownbray[MARKER_CLOSING 145 &amp;lt;/a:t&gt;&amp;lt;/a:r&gt;]   </a:t>
+            </a:r>
+            <a:r>
+              <a:rPr lang="fr-FR" dirty="0" smtClean="0"/>
+              <a:t>[MARKER_OPENING 146 -ERR:REF-NOT-FOUND-]    oxfay [MARKER_CLOSING 147 &amp;lt;/a:t&gt;&amp;lt;/a:r&gt;]   </a:t>
+            </a:r>
+            <a:r>
+              <a:rPr lang="fr-FR" dirty="0" err="1" smtClean="0"/>
+              <a:t>[MARKER_OPENING 148 -ERR:REF-NOT-FOUND-]   umpsjay[MARKER_CLOSING 149 &amp;lt;/a:t&gt;&amp;lt;/a:r&gt;]   </a:t>
+            </a:r>
+            <a:r>
+              <a:rPr lang="fr-FR" dirty="0" smtClean="0"/>
+              <a:t>[MARKER_OPENING 150 -ERR:REF-NOT-FOUND-]    overhay ethay [MARKER_CLOSING 151 &amp;lt;/a:t&gt;&amp;lt;/a:r&gt;]   </a:t>
+            </a:r>
+            <a:r>
+              <a:rPr lang="fr-FR" dirty="0" err="1" smtClean="0"/>
+              <a:t>[MARKER_OPENING 152 -ERR:REF-NOT-FOUND-]   azylay[MARKER_CLOSING 153 &amp;lt;/a:t&gt;&amp;lt;/a:r&gt;]   </a:t>
+            </a:r>
+            <a:r>
+              <a:rPr lang="fr-FR" dirty="0" smtClean="0"/>
+              <a:t>[MARKER_OPENING 154 -ERR:REF-NOT-FOUND-]    ogday. ethay uickqay [MARKER_CLOSING 155 &amp;lt;/a:t&gt;&amp;lt;/a:r&gt;]   </a:t>
+            </a:r>
+            <a:r>
+              <a:rPr lang="fr-FR" dirty="0" err="1" smtClean="0"/>
+              <a:t>[MARKER_OPENING 156 -ERR:REF-NOT-FOUND-]   ownbray[MARKER_CLOSING 157 &amp;lt;/a:t&gt;&amp;lt;/a:r&gt;]   </a:t>
+            </a:r>
+            <a:r>
+              <a:rPr lang="fr-FR" dirty="0" smtClean="0"/>
+              <a:t>[MARKER_OPENING 158 -ERR:REF-NOT-FOUND-]    oxfay [MARKER_CLOSING 159 &amp;lt;/a:t&gt;&amp;lt;/a:r&gt;]   </a:t>
+            </a:r>
+            <a:r>
+              <a:rPr lang="fr-FR" dirty="0" err="1" smtClean="0"/>
+              <a:t>[MARKER_OPENING 160 -ERR:REF-NOT-FOUND-]   umpsjay[MARKER_CLOSING 161 &amp;lt;/a:t&gt;&amp;lt;/a:r&gt;]   </a:t>
+            </a:r>
+            <a:r>
+              <a:rPr lang="fr-FR" dirty="0" smtClean="0"/>
+              <a:t>[MARKER_OPENING 162 -ERR:REF-NOT-FOUND-]    overhay ethay [MARKER_CLOSING 163 &amp;lt;/a:t&gt;&amp;lt;/a:r&gt;]   </a:t>
+            </a:r>
+            <a:r>
+              <a:rPr lang="fr-FR" dirty="0" err="1" smtClean="0"/>
+              <a:t>[MARKER_OPENING 164 -ERR:REF-NOT-FOUND-]   azylay[MARKER_CLOSING 165 &amp;lt;/a:t&gt;&amp;lt;/a:r&gt;]   </a:t>
+            </a:r>
+            <a:r>
+              <a:rPr lang="fr-FR" dirty="0" smtClean="0"/>
+              <a:t>[MARKER_OPENING 166 -ERR:REF-NOT-FOUND-]    ogday. ethay uickqay [MARKER_CLOSING 167 &amp;lt;/a:t&gt;&amp;lt;/a:r&gt;]   </a:t>
+            </a:r>
+            <a:r>
+              <a:rPr lang="fr-FR" dirty="0" err="1" smtClean="0"/>
+              <a:t>[MARKER_OPENING 168 -ERR:REF-NOT-FOUND-]   ownbray[MARKER_CLOSING 169 &amp;lt;/a:t&gt;&amp;lt;/a:r&gt;]   </a:t>
+            </a:r>
+            <a:r>
+              <a:rPr lang="fr-FR" dirty="0" smtClean="0"/>
+              <a:t>[MARKER_OPENING 170 -ERR:REF-NOT-FOUND-]    oxfay [MARKER_CLOSING 171 &amp;lt;/a:t&gt;&amp;lt;/a:r&gt;]   </a:t>
+            </a:r>
+            <a:r>
+              <a:rPr lang="fr-FR" dirty="0" err="1" smtClean="0"/>
+              <a:t>[MARKER_OPENING 172 -ERR:REF-NOT-FOUND-]   umpsjay[MARKER_CLOSING 173 &amp;lt;/a:t&gt;&amp;lt;/a:r&gt;]   </a:t>
+            </a:r>
+            <a:r>
+              <a:rPr lang="fr-FR" dirty="0" smtClean="0"/>
+              <a:t>[MARKER_OPENING 174 -ERR:REF-NOT-FOUND-]    overhay ethay [MARKER_CLOSING 175 &amp;lt;/a:t&gt;&amp;lt;/a:r&gt;]   </a:t>
+            </a:r>
+            <a:r>
+              <a:rPr lang="fr-FR" dirty="0" err="1" smtClean="0"/>
+              <a:t>[MARKER_OPENING 176 -ERR:REF-NOT-FOUND-]   azylay[MARKER_CLOSING 177 &amp;lt;/a:t&gt;&amp;lt;/a:r&gt;]   </a:t>
+            </a:r>
+            <a:r>
+              <a:rPr lang="fr-FR" dirty="0" smtClean="0"/>
+              <a:t>[MARKER_OPENING 178 -ERR:REF-NOT-FOUND-]    ogday. ethay uickqay [MARKER_CLOSING 179 &amp;lt;/a:t&gt;&amp;lt;/a:r&gt;]   </a:t>
+            </a:r>
+            <a:r>
+              <a:rPr lang="fr-FR" dirty="0" err="1" smtClean="0"/>
+              <a:t>[MARKER_OPENING 180 -ERR:REF-NOT-FOUND-]   ownbray[MARKER_CLOSING 181 &amp;lt;/a:t&gt;&amp;lt;/a:r&gt;]   </a:t>
+            </a:r>
+            <a:r>
+              <a:rPr lang="fr-FR" dirty="0" smtClean="0"/>
+              <a:t>[MARKER_OPENING 182 -ERR:REF-NOT-FOUND-]    oxfay [MARKER_CLOSING 183 &amp;lt;/a:t&gt;&amp;lt;/a:r&gt;]   </a:t>
+            </a:r>
+            <a:r>
+              <a:rPr lang="fr-FR" dirty="0" err="1" smtClean="0"/>
+              <a:t>[MARKER_OPENING 184 -ERR:REF-NOT-FOUND-]   umpsjay[MARKER_CLOSING 185 &amp;lt;/a:t&gt;&amp;lt;/a:r&gt;]   </a:t>
+            </a:r>
+            <a:r>
+              <a:rPr lang="fr-FR" dirty="0" smtClean="0"/>
+              <a:t>[MARKER_OPENING 186 -ERR:REF-NOT-FOUND-]    overhay ethay [MARKER_CLOSING 187 &amp;lt;/a:t&gt;&amp;lt;/a:r&gt;]   </a:t>
+            </a:r>
+            <a:r>
+              <a:rPr lang="fr-FR" dirty="0" err="1" smtClean="0"/>
+              <a:t>[MARKER_OPENING 188 -ERR:REF-NOT-FOUND-]   azylay[MARKER_CLOSING 189 &amp;lt;/a:t&gt;&amp;lt;/a:r&gt;]   </a:t>
+            </a:r>
+            <a:r>
+              <a:rPr lang="fr-FR" dirty="0" smtClean="0"/>
+              <a:t>[MARKER_OPENING 190 -ERR:REF-NOT-FOUND-]    ogday. [MARKER_CLOSING 191 &amp;lt;/a:t&gt;&amp;lt;/a:r&gt;]   </a:t>
             </a:r>
             <a:br>
               <a:rPr lang="fr-FR" dirty="0" smtClean="0"/>

--- a/filters/net.sf.okapi.filters.openxml.tests/ootput/Peeksample.pptx
+++ b/filters/net.sf.okapi.filters.openxml.tests/ootput/Peeksample.pptx
@@ -2584,7 +2584,7 @@
           <a:p>
             <a:r>
               <a:rPr lang="en-US" smtClean="0"/>
-              <a:t>Click to edit Master title style</a:t>
+              <a:t>[MARKER_OPENING 0 -ERR:REF-NOT-FOUND-]   ickclay otay edithay astermay itletay estylay[MARKER_CLOSING 1 &amp;lt;/a:t&gt;&amp;lt;/a:r&gt;]   </a:t>
             </a:r>
             <a:endParaRPr lang="en-US"/>
           </a:p>
@@ -2618,35 +2618,35 @@
             <a:pPr lvl="0"/>
             <a:r>
               <a:rPr lang="en-US" smtClean="0"/>
-              <a:t>Click to edit Master text styles</a:t>
+              <a:t>[MARKER_OPENING 0 -ERR:REF-NOT-FOUND-]   ickclay otay edithay astermay exttay esstylay[MARKER_CLOSING 1 &amp;lt;/a:t&gt;&amp;lt;/a:r&gt;]   </a:t>
             </a:r>
           </a:p>
           <a:p>
             <a:pPr lvl="1"/>
             <a:r>
               <a:rPr lang="en-US" smtClean="0"/>
-              <a:t>Second level</a:t>
+              <a:t>[MARKER_OPENING 0 -ERR:REF-NOT-FOUND-]   econdsay evellay[MARKER_CLOSING 1 &amp;lt;/a:t&gt;&amp;lt;/a:r&gt;]   </a:t>
             </a:r>
           </a:p>
           <a:p>
             <a:pPr lvl="2"/>
             <a:r>
               <a:rPr lang="en-US" smtClean="0"/>
-              <a:t>Third level</a:t>
+              <a:t>[MARKER_OPENING 0 -ERR:REF-NOT-FOUND-]   irdthay evellay[MARKER_CLOSING 1 &amp;lt;/a:t&gt;&amp;lt;/a:r&gt;]   </a:t>
             </a:r>
           </a:p>
           <a:p>
             <a:pPr lvl="3"/>
             <a:r>
               <a:rPr lang="en-US" smtClean="0"/>
-              <a:t>Fourth level</a:t>
+              <a:t>[MARKER_OPENING 0 -ERR:REF-NOT-FOUND-]   ourthfay evellay[MARKER_CLOSING 1 &amp;lt;/a:t&gt;&amp;lt;/a:r&gt;]   </a:t>
             </a:r>
           </a:p>
           <a:p>
             <a:pPr lvl="4"/>
             <a:r>
               <a:rPr lang="en-US" smtClean="0"/>
-              <a:t>Fifth level</a:t>
+              <a:t>[MARKER_OPENING 0 -ERR:REF-NOT-FOUND-]   ifthfay evellay[MARKER_CLOSING 1 &amp;lt;/a:t&gt;&amp;lt;/a:r&gt;]   </a:t>
             </a:r>
             <a:endParaRPr lang="en-US"/>
           </a:p>
@@ -2688,7 +2688,7 @@
             <a:fld id="{1D8BD707-D9CF-40AE-B4C6-C98DA3205C09}" type="datetimeFigureOut">
               <a:rPr lang="en-US" smtClean="0"/>
               <a:pPr/>
-              <a:t>3/1/2007</a:t>
+              <a:t>[MARKER_OPENING 0 -ERR:REF-NOT-FOUND-]   3/1/2007[MARKER_CLOSING 1 &amp;lt;/a:t&gt;&amp;lt;/a:fld&gt;]   </a:t>
             </a:fld>
             <a:endParaRPr lang="en-US"/>
           </a:p>
@@ -2767,7 +2767,7 @@
             <a:fld id="{B6F15528-21DE-4FAA-801E-634DDDAF4B2B}" type="slidenum">
               <a:rPr lang="en-US" smtClean="0"/>
               <a:pPr/>
-              <a:t>‹#›</a:t>
+              <a:t>[MARKER_OPENING 0 -ERR:REF-NOT-FOUND-]   ‹#›[MARKER_CLOSING 1 &amp;lt;/a:t&gt;&amp;lt;/a:fld&gt;]   </a:t>
             </a:fld>
             <a:endParaRPr lang="en-US"/>
           </a:p>

--- a/filters/net.sf.okapi.filters.openxml.tests/ootput/Peeksample.pptx
+++ b/filters/net.sf.okapi.filters.openxml.tests/ootput/Peeksample.pptx
@@ -2584,7 +2584,7 @@
           <a:p>
             <a:r>
               <a:rPr lang="en-US" smtClean="0"/>
-              <a:t>[MARKER_OPENING 0 -ERR:REF-NOT-FOUND-]   ickclay otay edithay astermay itletay estylay[MARKER_CLOSING 1 &amp;lt;/a:t&gt;&amp;lt;/a:r&gt;]   </a:t>
+              <a:t>{g0:-ERR:REF-NOT-FOUND-}ickclay otay edithay astermay itletay estylay{/g1:&lt;/a:t&gt;&lt;/a:r&gt;}</a:t>
             </a:r>
             <a:endParaRPr lang="en-US"/>
           </a:p>
@@ -2618,35 +2618,35 @@
             <a:pPr lvl="0"/>
             <a:r>
               <a:rPr lang="en-US" smtClean="0"/>
-              <a:t>[MARKER_OPENING 0 -ERR:REF-NOT-FOUND-]   ickclay otay edithay astermay exttay esstylay[MARKER_CLOSING 1 &amp;lt;/a:t&gt;&amp;lt;/a:r&gt;]   </a:t>
+              <a:t>{g0:-ERR:REF-NOT-FOUND-}ickclay otay edithay astermay exttay esstylay{/g1:&lt;/a:t&gt;&lt;/a:r&gt;}</a:t>
             </a:r>
           </a:p>
           <a:p>
             <a:pPr lvl="1"/>
             <a:r>
               <a:rPr lang="en-US" smtClean="0"/>
-              <a:t>[MARKER_OPENING 0 -ERR:REF-NOT-FOUND-]   econdsay evellay[MARKER_CLOSING 1 &amp;lt;/a:t&gt;&amp;lt;/a:r&gt;]   </a:t>
+              <a:t>{g0:-ERR:REF-NOT-FOUND-}econdsay evellay{/g1:&lt;/a:t&gt;&lt;/a:r&gt;}</a:t>
             </a:r>
           </a:p>
           <a:p>
             <a:pPr lvl="2"/>
             <a:r>
               <a:rPr lang="en-US" smtClean="0"/>
-              <a:t>[MARKER_OPENING 0 -ERR:REF-NOT-FOUND-]   irdthay evellay[MARKER_CLOSING 1 &amp;lt;/a:t&gt;&amp;lt;/a:r&gt;]   </a:t>
+              <a:t>{g0:-ERR:REF-NOT-FOUND-}irdthay evellay{/g1:&lt;/a:t&gt;&lt;/a:r&gt;}</a:t>
             </a:r>
           </a:p>
           <a:p>
             <a:pPr lvl="3"/>
             <a:r>
               <a:rPr lang="en-US" smtClean="0"/>
-              <a:t>[MARKER_OPENING 0 -ERR:REF-NOT-FOUND-]   ourthfay evellay[MARKER_CLOSING 1 &amp;lt;/a:t&gt;&amp;lt;/a:r&gt;]   </a:t>
+              <a:t>{g0:-ERR:REF-NOT-FOUND-}ourthfay evellay{/g1:&lt;/a:t&gt;&lt;/a:r&gt;}</a:t>
             </a:r>
           </a:p>
           <a:p>
             <a:pPr lvl="4"/>
             <a:r>
               <a:rPr lang="en-US" smtClean="0"/>
-              <a:t>[MARKER_OPENING 0 -ERR:REF-NOT-FOUND-]   ifthfay evellay[MARKER_CLOSING 1 &amp;lt;/a:t&gt;&amp;lt;/a:r&gt;]   </a:t>
+              <a:t>{g0:-ERR:REF-NOT-FOUND-}ifthfay evellay{/g1:&lt;/a:t&gt;&lt;/a:r&gt;}</a:t>
             </a:r>
             <a:endParaRPr lang="en-US"/>
           </a:p>
@@ -2688,7 +2688,7 @@
             <a:fld id="{1D8BD707-D9CF-40AE-B4C6-C98DA3205C09}" type="datetimeFigureOut">
               <a:rPr lang="en-US" smtClean="0"/>
               <a:pPr/>
-              <a:t>[MARKER_OPENING 0 -ERR:REF-NOT-FOUND-]   3/1/2007[MARKER_CLOSING 1 &amp;lt;/a:t&gt;&amp;lt;/a:fld&gt;]   </a:t>
+              <a:t>{g0:-ERR:REF-NOT-FOUND-}3/1/2007{/g1:&lt;/a:t&gt;&lt;/a:fld&gt;}</a:t>
             </a:fld>
             <a:endParaRPr lang="en-US"/>
           </a:p>
@@ -2767,7 +2767,7 @@
             <a:fld id="{B6F15528-21DE-4FAA-801E-634DDDAF4B2B}" type="slidenum">
               <a:rPr lang="en-US" smtClean="0"/>
               <a:pPr/>
-              <a:t>[MARKER_OPENING 0 -ERR:REF-NOT-FOUND-]   ‹#›[MARKER_CLOSING 1 &amp;lt;/a:t&gt;&amp;lt;/a:fld&gt;]   </a:t>
+              <a:t>{g0:-ERR:REF-NOT-FOUND-}‹#›{/g1:&lt;/a:t&gt;&lt;/a:fld&gt;}</a:t>
             </a:fld>
             <a:endParaRPr lang="en-US"/>
           </a:p>
@@ -3076,7 +3076,7 @@
           <a:p>
             <a:r>
               <a:rPr lang="fr-FR" dirty="0" smtClean="0"/>
-              <a:t>[MARKER_OPENING 0 -ERR:REF-NOT-FOUND-]   =andray()[MARKER_CLOSING 1 &amp;lt;/a:t&gt;&amp;lt;/a:r&gt;]   </a:t>
+              <a:t>{g0:-ERR:REF-NOT-FOUND-}=andray(){/g1:&lt;/a:t&gt;&lt;/a:r&gt;}</a:t>
             </a:r>
             <a:endParaRPr lang="fr-FR" dirty="0"/>
           </a:p>
@@ -3104,127 +3104,127 @@
             </a:pPr>
             <a:r>
               <a:rPr lang="fr-FR" dirty="0" smtClean="0"/>
-              <a:t>[MARKER_OPENING 0 -ERR:REF-NOT-FOUND-]   ethay uickqay [MARKER_CLOSING 1 &amp;lt;/a:t&gt;&amp;lt;/a:r&gt;]   </a:t>
-            </a:r>
-            <a:r>
-              <a:rPr lang="fr-FR" dirty="0" err="1" smtClean="0"/>
-              <a:t>[MARKER_OPENING 2 -ERR:REF-NOT-FOUND-]   ownbray[MARKER_CLOSING 3 &amp;lt;/a:t&gt;&amp;lt;/a:r&gt;]   </a:t>
-            </a:r>
-            <a:r>
-              <a:rPr lang="fr-FR" dirty="0" smtClean="0"/>
-              <a:t>[MARKER_OPENING 4 -ERR:REF-NOT-FOUND-]    oxfay [MARKER_CLOSING 5 &amp;lt;/a:t&gt;&amp;lt;/a:r&gt;]   </a:t>
-            </a:r>
-            <a:r>
-              <a:rPr lang="fr-FR" dirty="0" err="1" smtClean="0"/>
-              <a:t>[MARKER_OPENING 6 -ERR:REF-NOT-FOUND-]   umpsjay[MARKER_CLOSING 7 &amp;lt;/a:t&gt;&amp;lt;/a:r&gt;]   </a:t>
-            </a:r>
-            <a:r>
-              <a:rPr lang="fr-FR" dirty="0" smtClean="0"/>
-              <a:t>[MARKER_OPENING 8 -ERR:REF-NOT-FOUND-]    overhay ethay [MARKER_CLOSING 9 &amp;lt;/a:t&gt;&amp;lt;/a:r&gt;]   </a:t>
-            </a:r>
-            <a:r>
-              <a:rPr lang="fr-FR" dirty="0" err="1" smtClean="0"/>
-              <a:t>[MARKER_OPENING 10 -ERR:REF-NOT-FOUND-]   azylay[MARKER_CLOSING 11 &amp;lt;/a:t&gt;&amp;lt;/a:r&gt;]   </a:t>
-            </a:r>
-            <a:r>
-              <a:rPr lang="fr-FR" dirty="0" smtClean="0"/>
-              <a:t>[MARKER_OPENING 12 -ERR:REF-NOT-FOUND-]    ogday. ethay uickqay [MARKER_CLOSING 13 &amp;lt;/a:t&gt;&amp;lt;/a:r&gt;]   </a:t>
-            </a:r>
-            <a:r>
-              <a:rPr lang="fr-FR" dirty="0" err="1" smtClean="0"/>
-              <a:t>[MARKER_OPENING 14 -ERR:REF-NOT-FOUND-]   ownbray[MARKER_CLOSING 15 &amp;lt;/a:t&gt;&amp;lt;/a:r&gt;]   </a:t>
-            </a:r>
-            <a:r>
-              <a:rPr lang="fr-FR" dirty="0" smtClean="0"/>
-              <a:t>[MARKER_OPENING 16 -ERR:REF-NOT-FOUND-]    oxfay [MARKER_CLOSING 17 &amp;lt;/a:t&gt;&amp;lt;/a:r&gt;]   </a:t>
-            </a:r>
-            <a:r>
-              <a:rPr lang="fr-FR" dirty="0" err="1" smtClean="0"/>
-              <a:t>[MARKER_OPENING 18 -ERR:REF-NOT-FOUND-]   umpsjay[MARKER_CLOSING 19 &amp;lt;/a:t&gt;&amp;lt;/a:r&gt;]   </a:t>
-            </a:r>
-            <a:r>
-              <a:rPr lang="fr-FR" dirty="0" smtClean="0"/>
-              <a:t>[MARKER_OPENING 20 -ERR:REF-NOT-FOUND-]    overhay ethay [MARKER_CLOSING 21 &amp;lt;/a:t&gt;&amp;lt;/a:r&gt;]   </a:t>
-            </a:r>
-            <a:r>
-              <a:rPr lang="fr-FR" dirty="0" err="1" smtClean="0"/>
-              <a:t>[MARKER_OPENING 22 -ERR:REF-NOT-FOUND-]   azylay[MARKER_CLOSING 23 &amp;lt;/a:t&gt;&amp;lt;/a:r&gt;]   </a:t>
-            </a:r>
-            <a:r>
-              <a:rPr lang="fr-FR" dirty="0" smtClean="0"/>
-              <a:t>[MARKER_OPENING 24 -ERR:REF-NOT-FOUND-]    ogday. ethay uickqay [MARKER_CLOSING 25 &amp;lt;/a:t&gt;&amp;lt;/a:r&gt;]   </a:t>
-            </a:r>
-            <a:r>
-              <a:rPr lang="fr-FR" dirty="0" err="1" smtClean="0"/>
-              <a:t>[MARKER_OPENING 26 -ERR:REF-NOT-FOUND-]   ownbray[MARKER_CLOSING 27 &amp;lt;/a:t&gt;&amp;lt;/a:r&gt;]   </a:t>
-            </a:r>
-            <a:r>
-              <a:rPr lang="fr-FR" dirty="0" smtClean="0"/>
-              <a:t>[MARKER_OPENING 28 -ERR:REF-NOT-FOUND-]    oxfay [MARKER_CLOSING 29 &amp;lt;/a:t&gt;&amp;lt;/a:r&gt;]   </a:t>
-            </a:r>
-            <a:r>
-              <a:rPr lang="fr-FR" dirty="0" err="1" smtClean="0"/>
-              <a:t>[MARKER_OPENING 30 -ERR:REF-NOT-FOUND-]   umpsjay[MARKER_CLOSING 31 &amp;lt;/a:t&gt;&amp;lt;/a:r&gt;]   </a:t>
-            </a:r>
-            <a:r>
-              <a:rPr lang="fr-FR" dirty="0" smtClean="0"/>
-              <a:t>[MARKER_OPENING 32 -ERR:REF-NOT-FOUND-]    overhay ethay [MARKER_CLOSING 33 &amp;lt;/a:t&gt;&amp;lt;/a:r&gt;]   </a:t>
-            </a:r>
-            <a:r>
-              <a:rPr lang="fr-FR" dirty="0" err="1" smtClean="0"/>
-              <a:t>[MARKER_OPENING 34 -ERR:REF-NOT-FOUND-]   azylay[MARKER_CLOSING 35 &amp;lt;/a:t&gt;&amp;lt;/a:r&gt;]   </a:t>
-            </a:r>
-            <a:r>
-              <a:rPr lang="fr-FR" dirty="0" smtClean="0"/>
-              <a:t>[MARKER_OPENING 36 -ERR:REF-NOT-FOUND-]    ogday. ethay uickqay [MARKER_CLOSING 37 &amp;lt;/a:t&gt;&amp;lt;/a:r&gt;]   </a:t>
-            </a:r>
-            <a:r>
-              <a:rPr lang="fr-FR" dirty="0" err="1" smtClean="0"/>
-              <a:t>[MARKER_OPENING 38 -ERR:REF-NOT-FOUND-]   ownbray[MARKER_CLOSING 39 &amp;lt;/a:t&gt;&amp;lt;/a:r&gt;]   </a:t>
-            </a:r>
-            <a:r>
-              <a:rPr lang="fr-FR" dirty="0" smtClean="0"/>
-              <a:t>[MARKER_OPENING 40 -ERR:REF-NOT-FOUND-]    oxfay [MARKER_CLOSING 41 &amp;lt;/a:t&gt;&amp;lt;/a:r&gt;]   </a:t>
-            </a:r>
-            <a:r>
-              <a:rPr lang="fr-FR" dirty="0" err="1" smtClean="0"/>
-              <a:t>[MARKER_OPENING 42 -ERR:REF-NOT-FOUND-]   umpsjay[MARKER_CLOSING 43 &amp;lt;/a:t&gt;&amp;lt;/a:r&gt;]   </a:t>
-            </a:r>
-            <a:r>
-              <a:rPr lang="fr-FR" dirty="0" smtClean="0"/>
-              <a:t>[MARKER_OPENING 44 -ERR:REF-NOT-FOUND-]    overhay ethay [MARKER_CLOSING 45 &amp;lt;/a:t&gt;&amp;lt;/a:r&gt;]   </a:t>
-            </a:r>
-            <a:r>
-              <a:rPr lang="fr-FR" dirty="0" err="1" smtClean="0"/>
-              <a:t>[MARKER_OPENING 46 -ERR:REF-NOT-FOUND-]   azylay[MARKER_CLOSING 47 &amp;lt;/a:t&gt;&amp;lt;/a:r&gt;]   </a:t>
-            </a:r>
-            <a:r>
-              <a:rPr lang="fr-FR" dirty="0" smtClean="0"/>
-              <a:t>[MARKER_OPENING 48 -ERR:REF-NOT-FOUND-]    ogday. ethay uickqay [MARKER_CLOSING 49 &amp;lt;/a:t&gt;&amp;lt;/a:r&gt;]   </a:t>
-            </a:r>
-            <a:r>
-              <a:rPr lang="fr-FR" dirty="0" err="1" smtClean="0"/>
-              <a:t>[MARKER_OPENING 50 -ERR:REF-NOT-FOUND-]   ownbray[MARKER_CLOSING 51 &amp;lt;/a:t&gt;&amp;lt;/a:r&gt;]   </a:t>
-            </a:r>
-            <a:r>
-              <a:rPr lang="fr-FR" dirty="0" smtClean="0"/>
-              <a:t>[MARKER_OPENING 52 -ERR:REF-NOT-FOUND-]    oxfay [MARKER_CLOSING 53 &amp;lt;/a:t&gt;&amp;lt;/a:r&gt;]   </a:t>
-            </a:r>
-            <a:r>
-              <a:rPr lang="fr-FR" dirty="0" err="1" smtClean="0"/>
-              <a:t>[MARKER_OPENING 54 -ERR:REF-NOT-FOUND-]   umpsjay[MARKER_CLOSING 55 &amp;lt;/a:t&gt;&amp;lt;/a:r&gt;]   </a:t>
-            </a:r>
-            <a:r>
-              <a:rPr lang="fr-FR" dirty="0" smtClean="0"/>
-              <a:t>[MARKER_OPENING 56 -ERR:REF-NOT-FOUND-]    overhay ethay [MARKER_CLOSING 57 &amp;lt;/a:t&gt;&amp;lt;/a:r&gt;]   </a:t>
-            </a:r>
-            <a:r>
-              <a:rPr lang="fr-FR" dirty="0" err="1" smtClean="0"/>
-              <a:t>[MARKER_OPENING 58 -ERR:REF-NOT-FOUND-]   azylay[MARKER_CLOSING 59 &amp;lt;/a:t&gt;&amp;lt;/a:r&gt;]   </a:t>
-            </a:r>
-            <a:r>
-              <a:rPr lang="fr-FR" dirty="0" smtClean="0"/>
-              <a:t>[MARKER_OPENING 60 -ERR:REF-NOT-FOUND-]    ogday. [MARKER_CLOSING 61 &amp;lt;/a:t&gt;&amp;lt;/a:r&gt;]   </a:t>
+              <a:t>{g0:-ERR:REF-NOT-FOUND-}ethay uickqay {/g1:&lt;/a:t&gt;&lt;/a:r&gt;}</a:t>
+            </a:r>
+            <a:r>
+              <a:rPr lang="fr-FR" dirty="0" err="1" smtClean="0"/>
+              <a:t>{g2:-ERR:REF-NOT-FOUND-}ownbray{/g3:&lt;/a:t&gt;&lt;/a:r&gt;}</a:t>
+            </a:r>
+            <a:r>
+              <a:rPr lang="fr-FR" dirty="0" smtClean="0"/>
+              <a:t>{g4:-ERR:REF-NOT-FOUND-} oxfay {/g5:&lt;/a:t&gt;&lt;/a:r&gt;}</a:t>
+            </a:r>
+            <a:r>
+              <a:rPr lang="fr-FR" dirty="0" err="1" smtClean="0"/>
+              <a:t>{g6:-ERR:REF-NOT-FOUND-}umpsjay{/g7:&lt;/a:t&gt;&lt;/a:r&gt;}</a:t>
+            </a:r>
+            <a:r>
+              <a:rPr lang="fr-FR" dirty="0" smtClean="0"/>
+              <a:t>{g8:-ERR:REF-NOT-FOUND-} overhay ethay {/g9:&lt;/a:t&gt;&lt;/a:r&gt;}</a:t>
+            </a:r>
+            <a:r>
+              <a:rPr lang="fr-FR" dirty="0" err="1" smtClean="0"/>
+              <a:t>{g10:-ERR:REF-NOT-FOUND-}azylay{/g11:&lt;/a:t&gt;&lt;/a:r&gt;}</a:t>
+            </a:r>
+            <a:r>
+              <a:rPr lang="fr-FR" dirty="0" smtClean="0"/>
+              <a:t>{g12:-ERR:REF-NOT-FOUND-} ogday. ethay uickqay {/g13:&lt;/a:t&gt;&lt;/a:r&gt;}</a:t>
+            </a:r>
+            <a:r>
+              <a:rPr lang="fr-FR" dirty="0" err="1" smtClean="0"/>
+              <a:t>{g14:-ERR:REF-NOT-FOUND-}ownbray{/g15:&lt;/a:t&gt;&lt;/a:r&gt;}</a:t>
+            </a:r>
+            <a:r>
+              <a:rPr lang="fr-FR" dirty="0" smtClean="0"/>
+              <a:t>{g16:-ERR:REF-NOT-FOUND-} oxfay {/g17:&lt;/a:t&gt;&lt;/a:r&gt;}</a:t>
+            </a:r>
+            <a:r>
+              <a:rPr lang="fr-FR" dirty="0" err="1" smtClean="0"/>
+              <a:t>{g18:-ERR:REF-NOT-FOUND-}umpsjay{/g19:&lt;/a:t&gt;&lt;/a:r&gt;}</a:t>
+            </a:r>
+            <a:r>
+              <a:rPr lang="fr-FR" dirty="0" smtClean="0"/>
+              <a:t>{g20:-ERR:REF-NOT-FOUND-} overhay ethay {/g21:&lt;/a:t&gt;&lt;/a:r&gt;}</a:t>
+            </a:r>
+            <a:r>
+              <a:rPr lang="fr-FR" dirty="0" err="1" smtClean="0"/>
+              <a:t>{g22:-ERR:REF-NOT-FOUND-}azylay{/g23:&lt;/a:t&gt;&lt;/a:r&gt;}</a:t>
+            </a:r>
+            <a:r>
+              <a:rPr lang="fr-FR" dirty="0" smtClean="0"/>
+              <a:t>{g24:-ERR:REF-NOT-FOUND-} ogday. ethay uickqay {/g25:&lt;/a:t&gt;&lt;/a:r&gt;}</a:t>
+            </a:r>
+            <a:r>
+              <a:rPr lang="fr-FR" dirty="0" err="1" smtClean="0"/>
+              <a:t>{g26:-ERR:REF-NOT-FOUND-}ownbray{/g27:&lt;/a:t&gt;&lt;/a:r&gt;}</a:t>
+            </a:r>
+            <a:r>
+              <a:rPr lang="fr-FR" dirty="0" smtClean="0"/>
+              <a:t>{g28:-ERR:REF-NOT-FOUND-} oxfay {/g29:&lt;/a:t&gt;&lt;/a:r&gt;}</a:t>
+            </a:r>
+            <a:r>
+              <a:rPr lang="fr-FR" dirty="0" err="1" smtClean="0"/>
+              <a:t>{g30:-ERR:REF-NOT-FOUND-}umpsjay{/g31:&lt;/a:t&gt;&lt;/a:r&gt;}</a:t>
+            </a:r>
+            <a:r>
+              <a:rPr lang="fr-FR" dirty="0" smtClean="0"/>
+              <a:t>{g32:-ERR:REF-NOT-FOUND-} overhay ethay {/g33:&lt;/a:t&gt;&lt;/a:r&gt;}</a:t>
+            </a:r>
+            <a:r>
+              <a:rPr lang="fr-FR" dirty="0" err="1" smtClean="0"/>
+              <a:t>{g34:-ERR:REF-NOT-FOUND-}azylay{/g35:&lt;/a:t&gt;&lt;/a:r&gt;}</a:t>
+            </a:r>
+            <a:r>
+              <a:rPr lang="fr-FR" dirty="0" smtClean="0"/>
+              <a:t>{g36:-ERR:REF-NOT-FOUND-} ogday. ethay uickqay {/g37:&lt;/a:t&gt;&lt;/a:r&gt;}</a:t>
+            </a:r>
+            <a:r>
+              <a:rPr lang="fr-FR" dirty="0" err="1" smtClean="0"/>
+              <a:t>{g38:-ERR:REF-NOT-FOUND-}ownbray{/g39:&lt;/a:t&gt;&lt;/a:r&gt;}</a:t>
+            </a:r>
+            <a:r>
+              <a:rPr lang="fr-FR" dirty="0" smtClean="0"/>
+              <a:t>{g40:-ERR:REF-NOT-FOUND-} oxfay {/g41:&lt;/a:t&gt;&lt;/a:r&gt;}</a:t>
+            </a:r>
+            <a:r>
+              <a:rPr lang="fr-FR" dirty="0" err="1" smtClean="0"/>
+              <a:t>{g42:-ERR:REF-NOT-FOUND-}umpsjay{/g43:&lt;/a:t&gt;&lt;/a:r&gt;}</a:t>
+            </a:r>
+            <a:r>
+              <a:rPr lang="fr-FR" dirty="0" smtClean="0"/>
+              <a:t>{g44:-ERR:REF-NOT-FOUND-} overhay ethay {/g45:&lt;/a:t&gt;&lt;/a:r&gt;}</a:t>
+            </a:r>
+            <a:r>
+              <a:rPr lang="fr-FR" dirty="0" err="1" smtClean="0"/>
+              <a:t>{g46:-ERR:REF-NOT-FOUND-}azylay{/g47:&lt;/a:t&gt;&lt;/a:r&gt;}</a:t>
+            </a:r>
+            <a:r>
+              <a:rPr lang="fr-FR" dirty="0" smtClean="0"/>
+              <a:t>{g48:-ERR:REF-NOT-FOUND-} ogday. ethay uickqay {/g49:&lt;/a:t&gt;&lt;/a:r&gt;}</a:t>
+            </a:r>
+            <a:r>
+              <a:rPr lang="fr-FR" dirty="0" err="1" smtClean="0"/>
+              <a:t>{g50:-ERR:REF-NOT-FOUND-}ownbray{/g51:&lt;/a:t&gt;&lt;/a:r&gt;}</a:t>
+            </a:r>
+            <a:r>
+              <a:rPr lang="fr-FR" dirty="0" smtClean="0"/>
+              <a:t>{g52:-ERR:REF-NOT-FOUND-} oxfay {/g53:&lt;/a:t&gt;&lt;/a:r&gt;}</a:t>
+            </a:r>
+            <a:r>
+              <a:rPr lang="fr-FR" dirty="0" err="1" smtClean="0"/>
+              <a:t>{g54:-ERR:REF-NOT-FOUND-}umpsjay{/g55:&lt;/a:t&gt;&lt;/a:r&gt;}</a:t>
+            </a:r>
+            <a:r>
+              <a:rPr lang="fr-FR" dirty="0" smtClean="0"/>
+              <a:t>{g56:-ERR:REF-NOT-FOUND-} overhay ethay {/g57:&lt;/a:t&gt;&lt;/a:r&gt;}</a:t>
+            </a:r>
+            <a:r>
+              <a:rPr lang="fr-FR" dirty="0" err="1" smtClean="0"/>
+              <a:t>{g58:-ERR:REF-NOT-FOUND-}azylay{/g59:&lt;/a:t&gt;&lt;/a:r&gt;}</a:t>
+            </a:r>
+            <a:r>
+              <a:rPr lang="fr-FR" dirty="0" smtClean="0"/>
+              <a:t>{g60:-ERR:REF-NOT-FOUND-} ogday. {/g61:&lt;/a:t&gt;&lt;/a:r&gt;}</a:t>
             </a:r>
             <a:br>
               <a:rPr lang="fr-FR" dirty="0" smtClean="0"/>
@@ -3238,127 +3238,127 @@
             </a:br>
             <a:r>
               <a:rPr lang="fr-FR" dirty="0" smtClean="0"/>
-              <a:t>[MARKER_OPENING 65 -ERR:REF-NOT-FOUND-]   ethay uickqay [MARKER_CLOSING 66 &amp;lt;/a:t&gt;&amp;lt;/a:r&gt;]   </a:t>
-            </a:r>
-            <a:r>
-              <a:rPr lang="fr-FR" dirty="0" err="1" smtClean="0"/>
-              <a:t>[MARKER_OPENING 67 -ERR:REF-NOT-FOUND-]   ownbray[MARKER_CLOSING 68 &amp;lt;/a:t&gt;&amp;lt;/a:r&gt;]   </a:t>
-            </a:r>
-            <a:r>
-              <a:rPr lang="fr-FR" dirty="0" smtClean="0"/>
-              <a:t>[MARKER_OPENING 69 -ERR:REF-NOT-FOUND-]    oxfay [MARKER_CLOSING 70 &amp;lt;/a:t&gt;&amp;lt;/a:r&gt;]   </a:t>
-            </a:r>
-            <a:r>
-              <a:rPr lang="fr-FR" dirty="0" err="1" smtClean="0"/>
-              <a:t>[MARKER_OPENING 71 -ERR:REF-NOT-FOUND-]   umpsjay[MARKER_CLOSING 72 &amp;lt;/a:t&gt;&amp;lt;/a:r&gt;]   </a:t>
-            </a:r>
-            <a:r>
-              <a:rPr lang="fr-FR" dirty="0" smtClean="0"/>
-              <a:t>[MARKER_OPENING 73 -ERR:REF-NOT-FOUND-]    overhay ethay [MARKER_CLOSING 74 &amp;lt;/a:t&gt;&amp;lt;/a:r&gt;]   </a:t>
-            </a:r>
-            <a:r>
-              <a:rPr lang="fr-FR" dirty="0" err="1" smtClean="0"/>
-              <a:t>[MARKER_OPENING 75 -ERR:REF-NOT-FOUND-]   azylay[MARKER_CLOSING 76 &amp;lt;/a:t&gt;&amp;lt;/a:r&gt;]   </a:t>
-            </a:r>
-            <a:r>
-              <a:rPr lang="fr-FR" dirty="0" smtClean="0"/>
-              <a:t>[MARKER_OPENING 77 -ERR:REF-NOT-FOUND-]    ogday. ethay uickqay [MARKER_CLOSING 78 &amp;lt;/a:t&gt;&amp;lt;/a:r&gt;]   </a:t>
-            </a:r>
-            <a:r>
-              <a:rPr lang="fr-FR" dirty="0" err="1" smtClean="0"/>
-              <a:t>[MARKER_OPENING 79 -ERR:REF-NOT-FOUND-]   ownbray[MARKER_CLOSING 80 &amp;lt;/a:t&gt;&amp;lt;/a:r&gt;]   </a:t>
-            </a:r>
-            <a:r>
-              <a:rPr lang="fr-FR" dirty="0" smtClean="0"/>
-              <a:t>[MARKER_OPENING 81 -ERR:REF-NOT-FOUND-]    oxfay [MARKER_CLOSING 82 &amp;lt;/a:t&gt;&amp;lt;/a:r&gt;]   </a:t>
-            </a:r>
-            <a:r>
-              <a:rPr lang="fr-FR" dirty="0" err="1" smtClean="0"/>
-              <a:t>[MARKER_OPENING 83 -ERR:REF-NOT-FOUND-]   umpsjay[MARKER_CLOSING 84 &amp;lt;/a:t&gt;&amp;lt;/a:r&gt;]   </a:t>
-            </a:r>
-            <a:r>
-              <a:rPr lang="fr-FR" dirty="0" smtClean="0"/>
-              <a:t>[MARKER_OPENING 85 -ERR:REF-NOT-FOUND-]    overhay ethay [MARKER_CLOSING 86 &amp;lt;/a:t&gt;&amp;lt;/a:r&gt;]   </a:t>
-            </a:r>
-            <a:r>
-              <a:rPr lang="fr-FR" dirty="0" err="1" smtClean="0"/>
-              <a:t>[MARKER_OPENING 87 -ERR:REF-NOT-FOUND-]   azylay[MARKER_CLOSING 88 &amp;lt;/a:t&gt;&amp;lt;/a:r&gt;]   </a:t>
-            </a:r>
-            <a:r>
-              <a:rPr lang="fr-FR" dirty="0" smtClean="0"/>
-              <a:t>[MARKER_OPENING 89 -ERR:REF-NOT-FOUND-]    ogday. ethay uickqay [MARKER_CLOSING 90 &amp;lt;/a:t&gt;&amp;lt;/a:r&gt;]   </a:t>
-            </a:r>
-            <a:r>
-              <a:rPr lang="fr-FR" dirty="0" err="1" smtClean="0"/>
-              <a:t>[MARKER_OPENING 91 -ERR:REF-NOT-FOUND-]   ownbray[MARKER_CLOSING 92 &amp;lt;/a:t&gt;&amp;lt;/a:r&gt;]   </a:t>
-            </a:r>
-            <a:r>
-              <a:rPr lang="fr-FR" dirty="0" smtClean="0"/>
-              <a:t>[MARKER_OPENING 93 -ERR:REF-NOT-FOUND-]    oxfay [MARKER_CLOSING 94 &amp;lt;/a:t&gt;&amp;lt;/a:r&gt;]   </a:t>
-            </a:r>
-            <a:r>
-              <a:rPr lang="fr-FR" dirty="0" err="1" smtClean="0"/>
-              <a:t>[MARKER_OPENING 95 -ERR:REF-NOT-FOUND-]   umpsjay[MARKER_CLOSING 96 &amp;lt;/a:t&gt;&amp;lt;/a:r&gt;]   </a:t>
-            </a:r>
-            <a:r>
-              <a:rPr lang="fr-FR" dirty="0" smtClean="0"/>
-              <a:t>[MARKER_OPENING 97 -ERR:REF-NOT-FOUND-]    overhay ethay [MARKER_CLOSING 98 &amp;lt;/a:t&gt;&amp;lt;/a:r&gt;]   </a:t>
-            </a:r>
-            <a:r>
-              <a:rPr lang="fr-FR" dirty="0" err="1" smtClean="0"/>
-              <a:t>[MARKER_OPENING 99 -ERR:REF-NOT-FOUND-]   azylay[MARKER_CLOSING 100 &amp;lt;/a:t&gt;&amp;lt;/a:r&gt;]   </a:t>
-            </a:r>
-            <a:r>
-              <a:rPr lang="fr-FR" dirty="0" smtClean="0"/>
-              <a:t>[MARKER_OPENING 101 -ERR:REF-NOT-FOUND-]    ogday. ethay uickqay [MARKER_CLOSING 102 &amp;lt;/a:t&gt;&amp;lt;/a:r&gt;]   </a:t>
-            </a:r>
-            <a:r>
-              <a:rPr lang="fr-FR" dirty="0" err="1" smtClean="0"/>
-              <a:t>[MARKER_OPENING 103 -ERR:REF-NOT-FOUND-]   ownbray[MARKER_CLOSING 104 &amp;lt;/a:t&gt;&amp;lt;/a:r&gt;]   </a:t>
-            </a:r>
-            <a:r>
-              <a:rPr lang="fr-FR" dirty="0" smtClean="0"/>
-              <a:t>[MARKER_OPENING 105 -ERR:REF-NOT-FOUND-]    oxfay [MARKER_CLOSING 106 &amp;lt;/a:t&gt;&amp;lt;/a:r&gt;]   </a:t>
-            </a:r>
-            <a:r>
-              <a:rPr lang="fr-FR" dirty="0" err="1" smtClean="0"/>
-              <a:t>[MARKER_OPENING 107 -ERR:REF-NOT-FOUND-]   umpsjay[MARKER_CLOSING 108 &amp;lt;/a:t&gt;&amp;lt;/a:r&gt;]   </a:t>
-            </a:r>
-            <a:r>
-              <a:rPr lang="fr-FR" dirty="0" smtClean="0"/>
-              <a:t>[MARKER_OPENING 109 -ERR:REF-NOT-FOUND-]    overhay ethay [MARKER_CLOSING 110 &amp;lt;/a:t&gt;&amp;lt;/a:r&gt;]   </a:t>
-            </a:r>
-            <a:r>
-              <a:rPr lang="fr-FR" dirty="0" err="1" smtClean="0"/>
-              <a:t>[MARKER_OPENING 111 -ERR:REF-NOT-FOUND-]   azylay[MARKER_CLOSING 112 &amp;lt;/a:t&gt;&amp;lt;/a:r&gt;]   </a:t>
-            </a:r>
-            <a:r>
-              <a:rPr lang="fr-FR" dirty="0" smtClean="0"/>
-              <a:t>[MARKER_OPENING 113 -ERR:REF-NOT-FOUND-]    ogday. ethay uickqay [MARKER_CLOSING 114 &amp;lt;/a:t&gt;&amp;lt;/a:r&gt;]   </a:t>
-            </a:r>
-            <a:r>
-              <a:rPr lang="fr-FR" dirty="0" err="1" smtClean="0"/>
-              <a:t>[MARKER_OPENING 115 -ERR:REF-NOT-FOUND-]   ownbray[MARKER_CLOSING 116 &amp;lt;/a:t&gt;&amp;lt;/a:r&gt;]   </a:t>
-            </a:r>
-            <a:r>
-              <a:rPr lang="fr-FR" dirty="0" smtClean="0"/>
-              <a:t>[MARKER_OPENING 117 -ERR:REF-NOT-FOUND-]    oxfay [MARKER_CLOSING 118 &amp;lt;/a:t&gt;&amp;lt;/a:r&gt;]   </a:t>
-            </a:r>
-            <a:r>
-              <a:rPr lang="fr-FR" dirty="0" err="1" smtClean="0"/>
-              <a:t>[MARKER_OPENING 119 -ERR:REF-NOT-FOUND-]   umpsjay[MARKER_CLOSING 120 &amp;lt;/a:t&gt;&amp;lt;/a:r&gt;]   </a:t>
-            </a:r>
-            <a:r>
-              <a:rPr lang="fr-FR" dirty="0" smtClean="0"/>
-              <a:t>[MARKER_OPENING 121 -ERR:REF-NOT-FOUND-]    overhay ethay [MARKER_CLOSING 122 &amp;lt;/a:t&gt;&amp;lt;/a:r&gt;]   </a:t>
-            </a:r>
-            <a:r>
-              <a:rPr lang="fr-FR" dirty="0" err="1" smtClean="0"/>
-              <a:t>[MARKER_OPENING 123 -ERR:REF-NOT-FOUND-]   azylay[MARKER_CLOSING 124 &amp;lt;/a:t&gt;&amp;lt;/a:r&gt;]   </a:t>
-            </a:r>
-            <a:r>
-              <a:rPr lang="fr-FR" dirty="0" smtClean="0"/>
-              <a:t>[MARKER_OPENING 125 -ERR:REF-NOT-FOUND-]    ogday. [MARKER_CLOSING 126 &amp;lt;/a:t&gt;&amp;lt;/a:r&gt;]   </a:t>
+              <a:t>{g65:-ERR:REF-NOT-FOUND-}ethay uickqay {/g66:&lt;/a:t&gt;&lt;/a:r&gt;}</a:t>
+            </a:r>
+            <a:r>
+              <a:rPr lang="fr-FR" dirty="0" err="1" smtClean="0"/>
+              <a:t>{g67:-ERR:REF-NOT-FOUND-}ownbray{/g68:&lt;/a:t&gt;&lt;/a:r&gt;}</a:t>
+            </a:r>
+            <a:r>
+              <a:rPr lang="fr-FR" dirty="0" smtClean="0"/>
+              <a:t>{g69:-ERR:REF-NOT-FOUND-} oxfay {/g70:&lt;/a:t&gt;&lt;/a:r&gt;}</a:t>
+            </a:r>
+            <a:r>
+              <a:rPr lang="fr-FR" dirty="0" err="1" smtClean="0"/>
+              <a:t>{g71:-ERR:REF-NOT-FOUND-}umpsjay{/g72:&lt;/a:t&gt;&lt;/a:r&gt;}</a:t>
+            </a:r>
+            <a:r>
+              <a:rPr lang="fr-FR" dirty="0" smtClean="0"/>
+              <a:t>{g73:-ERR:REF-NOT-FOUND-} overhay ethay {/g74:&lt;/a:t&gt;&lt;/a:r&gt;}</a:t>
+            </a:r>
+            <a:r>
+              <a:rPr lang="fr-FR" dirty="0" err="1" smtClean="0"/>
+              <a:t>{g75:-ERR:REF-NOT-FOUND-}azylay{/g76:&lt;/a:t&gt;&lt;/a:r&gt;}</a:t>
+            </a:r>
+            <a:r>
+              <a:rPr lang="fr-FR" dirty="0" smtClean="0"/>
+              <a:t>{g77:-ERR:REF-NOT-FOUND-} ogday. ethay uickqay {/g78:&lt;/a:t&gt;&lt;/a:r&gt;}</a:t>
+            </a:r>
+            <a:r>
+              <a:rPr lang="fr-FR" dirty="0" err="1" smtClean="0"/>
+              <a:t>{g79:-ERR:REF-NOT-FOUND-}ownbray{/g80:&lt;/a:t&gt;&lt;/a:r&gt;}</a:t>
+            </a:r>
+            <a:r>
+              <a:rPr lang="fr-FR" dirty="0" smtClean="0"/>
+              <a:t>{g81:-ERR:REF-NOT-FOUND-} oxfay {/g82:&lt;/a:t&gt;&lt;/a:r&gt;}</a:t>
+            </a:r>
+            <a:r>
+              <a:rPr lang="fr-FR" dirty="0" err="1" smtClean="0"/>
+              <a:t>{g83:-ERR:REF-NOT-FOUND-}umpsjay{/g84:&lt;/a:t&gt;&lt;/a:r&gt;}</a:t>
+            </a:r>
+            <a:r>
+              <a:rPr lang="fr-FR" dirty="0" smtClean="0"/>
+              <a:t>{g85:-ERR:REF-NOT-FOUND-} overhay ethay {/g86:&lt;/a:t&gt;&lt;/a:r&gt;}</a:t>
+            </a:r>
+            <a:r>
+              <a:rPr lang="fr-FR" dirty="0" err="1" smtClean="0"/>
+              <a:t>{g87:-ERR:REF-NOT-FOUND-}azylay{/g88:&lt;/a:t&gt;&lt;/a:r&gt;}</a:t>
+            </a:r>
+            <a:r>
+              <a:rPr lang="fr-FR" dirty="0" smtClean="0"/>
+              <a:t>{g89:-ERR:REF-NOT-FOUND-} ogday. ethay uickqay {/g90:&lt;/a:t&gt;&lt;/a:r&gt;}</a:t>
+            </a:r>
+            <a:r>
+              <a:rPr lang="fr-FR" dirty="0" err="1" smtClean="0"/>
+              <a:t>{g91:-ERR:REF-NOT-FOUND-}ownbray{/g92:&lt;/a:t&gt;&lt;/a:r&gt;}</a:t>
+            </a:r>
+            <a:r>
+              <a:rPr lang="fr-FR" dirty="0" smtClean="0"/>
+              <a:t>{g93:-ERR:REF-NOT-FOUND-} oxfay {/g94:&lt;/a:t&gt;&lt;/a:r&gt;}</a:t>
+            </a:r>
+            <a:r>
+              <a:rPr lang="fr-FR" dirty="0" err="1" smtClean="0"/>
+              <a:t>{g95:-ERR:REF-NOT-FOUND-}umpsjay{/g96:&lt;/a:t&gt;&lt;/a:r&gt;}</a:t>
+            </a:r>
+            <a:r>
+              <a:rPr lang="fr-FR" dirty="0" smtClean="0"/>
+              <a:t>{g97:-ERR:REF-NOT-FOUND-} overhay ethay {/g98:&lt;/a:t&gt;&lt;/a:r&gt;}</a:t>
+            </a:r>
+            <a:r>
+              <a:rPr lang="fr-FR" dirty="0" err="1" smtClean="0"/>
+              <a:t>{g99:-ERR:REF-NOT-FOUND-}azylay{/g100:&lt;/a:t&gt;&lt;/a:r&gt;}</a:t>
+            </a:r>
+            <a:r>
+              <a:rPr lang="fr-FR" dirty="0" smtClean="0"/>
+              <a:t>{g101:-ERR:REF-NOT-FOUND-} ogday. ethay uickqay {/g102:&lt;/a:t&gt;&lt;/a:r&gt;}</a:t>
+            </a:r>
+            <a:r>
+              <a:rPr lang="fr-FR" dirty="0" err="1" smtClean="0"/>
+              <a:t>{g103:-ERR:REF-NOT-FOUND-}ownbray{/g104:&lt;/a:t&gt;&lt;/a:r&gt;}</a:t>
+            </a:r>
+            <a:r>
+              <a:rPr lang="fr-FR" dirty="0" smtClean="0"/>
+              <a:t>{g105:-ERR:REF-NOT-FOUND-} oxfay {/g106:&lt;/a:t&gt;&lt;/a:r&gt;}</a:t>
+            </a:r>
+            <a:r>
+              <a:rPr lang="fr-FR" dirty="0" err="1" smtClean="0"/>
+              <a:t>{g107:-ERR:REF-NOT-FOUND-}umpsjay{/g108:&lt;/a:t&gt;&lt;/a:r&gt;}</a:t>
+            </a:r>
+            <a:r>
+              <a:rPr lang="fr-FR" dirty="0" smtClean="0"/>
+              <a:t>{g109:-ERR:REF-NOT-FOUND-} overhay ethay {/g110:&lt;/a:t&gt;&lt;/a:r&gt;}</a:t>
+            </a:r>
+            <a:r>
+              <a:rPr lang="fr-FR" dirty="0" err="1" smtClean="0"/>
+              <a:t>{g111:-ERR:REF-NOT-FOUND-}azylay{/g112:&lt;/a:t&gt;&lt;/a:r&gt;}</a:t>
+            </a:r>
+            <a:r>
+              <a:rPr lang="fr-FR" dirty="0" smtClean="0"/>
+              <a:t>{g113:-ERR:REF-NOT-FOUND-} ogday. ethay uickqay {/g114:&lt;/a:t&gt;&lt;/a:r&gt;}</a:t>
+            </a:r>
+            <a:r>
+              <a:rPr lang="fr-FR" dirty="0" err="1" smtClean="0"/>
+              <a:t>{g115:-ERR:REF-NOT-FOUND-}ownbray{/g116:&lt;/a:t&gt;&lt;/a:r&gt;}</a:t>
+            </a:r>
+            <a:r>
+              <a:rPr lang="fr-FR" dirty="0" smtClean="0"/>
+              <a:t>{g117:-ERR:REF-NOT-FOUND-} oxfay {/g118:&lt;/a:t&gt;&lt;/a:r&gt;}</a:t>
+            </a:r>
+            <a:r>
+              <a:rPr lang="fr-FR" dirty="0" err="1" smtClean="0"/>
+              <a:t>{g119:-ERR:REF-NOT-FOUND-}umpsjay{/g120:&lt;/a:t&gt;&lt;/a:r&gt;}</a:t>
+            </a:r>
+            <a:r>
+              <a:rPr lang="fr-FR" dirty="0" smtClean="0"/>
+              <a:t>{g121:-ERR:REF-NOT-FOUND-} overhay ethay {/g122:&lt;/a:t&gt;&lt;/a:r&gt;}</a:t>
+            </a:r>
+            <a:r>
+              <a:rPr lang="fr-FR" dirty="0" err="1" smtClean="0"/>
+              <a:t>{g123:-ERR:REF-NOT-FOUND-}azylay{/g124:&lt;/a:t&gt;&lt;/a:r&gt;}</a:t>
+            </a:r>
+            <a:r>
+              <a:rPr lang="fr-FR" dirty="0" smtClean="0"/>
+              <a:t>{g125:-ERR:REF-NOT-FOUND-} ogday. {/g126:&lt;/a:t&gt;&lt;/a:r&gt;}</a:t>
             </a:r>
             <a:br>
               <a:rPr lang="fr-FR" dirty="0" smtClean="0"/>
@@ -3372,127 +3372,127 @@
             </a:br>
             <a:r>
               <a:rPr lang="fr-FR" dirty="0" smtClean="0"/>
-              <a:t>[MARKER_OPENING 130 -ERR:REF-NOT-FOUND-]   ethay uickqay [MARKER_CLOSING 131 &amp;lt;/a:t&gt;&amp;lt;/a:r&gt;]   </a:t>
-            </a:r>
-            <a:r>
-              <a:rPr lang="fr-FR" dirty="0" err="1" smtClean="0"/>
-              <a:t>[MARKER_OPENING 132 -ERR:REF-NOT-FOUND-]   ownbray[MARKER_CLOSING 133 &amp;lt;/a:t&gt;&amp;lt;/a:r&gt;]   </a:t>
-            </a:r>
-            <a:r>
-              <a:rPr lang="fr-FR" dirty="0" smtClean="0"/>
-              <a:t>[MARKER_OPENING 134 -ERR:REF-NOT-FOUND-]    oxfay [MARKER_CLOSING 135 &amp;lt;/a:t&gt;&amp;lt;/a:r&gt;]   </a:t>
-            </a:r>
-            <a:r>
-              <a:rPr lang="fr-FR" dirty="0" err="1" smtClean="0"/>
-              <a:t>[MARKER_OPENING 136 -ERR:REF-NOT-FOUND-]   umpsjay[MARKER_CLOSING 137 &amp;lt;/a:t&gt;&amp;lt;/a:r&gt;]   </a:t>
-            </a:r>
-            <a:r>
-              <a:rPr lang="fr-FR" dirty="0" smtClean="0"/>
-              <a:t>[MARKER_OPENING 138 -ERR:REF-NOT-FOUND-]    overhay ethay [MARKER_CLOSING 139 &amp;lt;/a:t&gt;&amp;lt;/a:r&gt;]   </a:t>
-            </a:r>
-            <a:r>
-              <a:rPr lang="fr-FR" dirty="0" err="1" smtClean="0"/>
-              <a:t>[MARKER_OPENING 140 -ERR:REF-NOT-FOUND-]   azylay[MARKER_CLOSING 141 &amp;lt;/a:t&gt;&amp;lt;/a:r&gt;]   </a:t>
-            </a:r>
-            <a:r>
-              <a:rPr lang="fr-FR" dirty="0" smtClean="0"/>
-              <a:t>[MARKER_OPENING 142 -ERR:REF-NOT-FOUND-]    ogday. ethay uickqay [MARKER_CLOSING 143 &amp;lt;/a:t&gt;&amp;lt;/a:r&gt;]   </a:t>
-            </a:r>
-            <a:r>
-              <a:rPr lang="fr-FR" dirty="0" err="1" smtClean="0"/>
-              <a:t>[MARKER_OPENING 144 -ERR:REF-NOT-FOUND-]   ownbray[MARKER_CLOSING 145 &amp;lt;/a:t&gt;&amp;lt;/a:r&gt;]   </a:t>
-            </a:r>
-            <a:r>
-              <a:rPr lang="fr-FR" dirty="0" smtClean="0"/>
-              <a:t>[MARKER_OPENING 146 -ERR:REF-NOT-FOUND-]    oxfay [MARKER_CLOSING 147 &amp;lt;/a:t&gt;&amp;lt;/a:r&gt;]   </a:t>
-            </a:r>
-            <a:r>
-              <a:rPr lang="fr-FR" dirty="0" err="1" smtClean="0"/>
-              <a:t>[MARKER_OPENING 148 -ERR:REF-NOT-FOUND-]   umpsjay[MARKER_CLOSING 149 &amp;lt;/a:t&gt;&amp;lt;/a:r&gt;]   </a:t>
-            </a:r>
-            <a:r>
-              <a:rPr lang="fr-FR" dirty="0" smtClean="0"/>
-              <a:t>[MARKER_OPENING 150 -ERR:REF-NOT-FOUND-]    overhay ethay [MARKER_CLOSING 151 &amp;lt;/a:t&gt;&amp;lt;/a:r&gt;]   </a:t>
-            </a:r>
-            <a:r>
-              <a:rPr lang="fr-FR" dirty="0" err="1" smtClean="0"/>
-              <a:t>[MARKER_OPENING 152 -ERR:REF-NOT-FOUND-]   azylay[MARKER_CLOSING 153 &amp;lt;/a:t&gt;&amp;lt;/a:r&gt;]   </a:t>
-            </a:r>
-            <a:r>
-              <a:rPr lang="fr-FR" dirty="0" smtClean="0"/>
-              <a:t>[MARKER_OPENING 154 -ERR:REF-NOT-FOUND-]    ogday. ethay uickqay [MARKER_CLOSING 155 &amp;lt;/a:t&gt;&amp;lt;/a:r&gt;]   </a:t>
-            </a:r>
-            <a:r>
-              <a:rPr lang="fr-FR" dirty="0" err="1" smtClean="0"/>
-              <a:t>[MARKER_OPENING 156 -ERR:REF-NOT-FOUND-]   ownbray[MARKER_CLOSING 157 &amp;lt;/a:t&gt;&amp;lt;/a:r&gt;]   </a:t>
-            </a:r>
-            <a:r>
-              <a:rPr lang="fr-FR" dirty="0" smtClean="0"/>
-              <a:t>[MARKER_OPENING 158 -ERR:REF-NOT-FOUND-]    oxfay [MARKER_CLOSING 159 &amp;lt;/a:t&gt;&amp;lt;/a:r&gt;]   </a:t>
-            </a:r>
-            <a:r>
-              <a:rPr lang="fr-FR" dirty="0" err="1" smtClean="0"/>
-              <a:t>[MARKER_OPENING 160 -ERR:REF-NOT-FOUND-]   umpsjay[MARKER_CLOSING 161 &amp;lt;/a:t&gt;&amp;lt;/a:r&gt;]   </a:t>
-            </a:r>
-            <a:r>
-              <a:rPr lang="fr-FR" dirty="0" smtClean="0"/>
-              <a:t>[MARKER_OPENING 162 -ERR:REF-NOT-FOUND-]    overhay ethay [MARKER_CLOSING 163 &amp;lt;/a:t&gt;&amp;lt;/a:r&gt;]   </a:t>
-            </a:r>
-            <a:r>
-              <a:rPr lang="fr-FR" dirty="0" err="1" smtClean="0"/>
-              <a:t>[MARKER_OPENING 164 -ERR:REF-NOT-FOUND-]   azylay[MARKER_CLOSING 165 &amp;lt;/a:t&gt;&amp;lt;/a:r&gt;]   </a:t>
-            </a:r>
-            <a:r>
-              <a:rPr lang="fr-FR" dirty="0" smtClean="0"/>
-              <a:t>[MARKER_OPENING 166 -ERR:REF-NOT-FOUND-]    ogday. ethay uickqay [MARKER_CLOSING 167 &amp;lt;/a:t&gt;&amp;lt;/a:r&gt;]   </a:t>
-            </a:r>
-            <a:r>
-              <a:rPr lang="fr-FR" dirty="0" err="1" smtClean="0"/>
-              <a:t>[MARKER_OPENING 168 -ERR:REF-NOT-FOUND-]   ownbray[MARKER_CLOSING 169 &amp;lt;/a:t&gt;&amp;lt;/a:r&gt;]   </a:t>
-            </a:r>
-            <a:r>
-              <a:rPr lang="fr-FR" dirty="0" smtClean="0"/>
-              <a:t>[MARKER_OPENING 170 -ERR:REF-NOT-FOUND-]    oxfay [MARKER_CLOSING 171 &amp;lt;/a:t&gt;&amp;lt;/a:r&gt;]   </a:t>
-            </a:r>
-            <a:r>
-              <a:rPr lang="fr-FR" dirty="0" err="1" smtClean="0"/>
-              <a:t>[MARKER_OPENING 172 -ERR:REF-NOT-FOUND-]   umpsjay[MARKER_CLOSING 173 &amp;lt;/a:t&gt;&amp;lt;/a:r&gt;]   </a:t>
-            </a:r>
-            <a:r>
-              <a:rPr lang="fr-FR" dirty="0" smtClean="0"/>
-              <a:t>[MARKER_OPENING 174 -ERR:REF-NOT-FOUND-]    overhay ethay [MARKER_CLOSING 175 &amp;lt;/a:t&gt;&amp;lt;/a:r&gt;]   </a:t>
-            </a:r>
-            <a:r>
-              <a:rPr lang="fr-FR" dirty="0" err="1" smtClean="0"/>
-              <a:t>[MARKER_OPENING 176 -ERR:REF-NOT-FOUND-]   azylay[MARKER_CLOSING 177 &amp;lt;/a:t&gt;&amp;lt;/a:r&gt;]   </a:t>
-            </a:r>
-            <a:r>
-              <a:rPr lang="fr-FR" dirty="0" smtClean="0"/>
-              <a:t>[MARKER_OPENING 178 -ERR:REF-NOT-FOUND-]    ogday. ethay uickqay [MARKER_CLOSING 179 &amp;lt;/a:t&gt;&amp;lt;/a:r&gt;]   </a:t>
-            </a:r>
-            <a:r>
-              <a:rPr lang="fr-FR" dirty="0" err="1" smtClean="0"/>
-              <a:t>[MARKER_OPENING 180 -ERR:REF-NOT-FOUND-]   ownbray[MARKER_CLOSING 181 &amp;lt;/a:t&gt;&amp;lt;/a:r&gt;]   </a:t>
-            </a:r>
-            <a:r>
-              <a:rPr lang="fr-FR" dirty="0" smtClean="0"/>
-              <a:t>[MARKER_OPENING 182 -ERR:REF-NOT-FOUND-]    oxfay [MARKER_CLOSING 183 &amp;lt;/a:t&gt;&amp;lt;/a:r&gt;]   </a:t>
-            </a:r>
-            <a:r>
-              <a:rPr lang="fr-FR" dirty="0" err="1" smtClean="0"/>
-              <a:t>[MARKER_OPENING 184 -ERR:REF-NOT-FOUND-]   umpsjay[MARKER_CLOSING 185 &amp;lt;/a:t&gt;&amp;lt;/a:r&gt;]   </a:t>
-            </a:r>
-            <a:r>
-              <a:rPr lang="fr-FR" dirty="0" smtClean="0"/>
-              <a:t>[MARKER_OPENING 186 -ERR:REF-NOT-FOUND-]    overhay ethay [MARKER_CLOSING 187 &amp;lt;/a:t&gt;&amp;lt;/a:r&gt;]   </a:t>
-            </a:r>
-            <a:r>
-              <a:rPr lang="fr-FR" dirty="0" err="1" smtClean="0"/>
-              <a:t>[MARKER_OPENING 188 -ERR:REF-NOT-FOUND-]   azylay[MARKER_CLOSING 189 &amp;lt;/a:t&gt;&amp;lt;/a:r&gt;]   </a:t>
-            </a:r>
-            <a:r>
-              <a:rPr lang="fr-FR" dirty="0" smtClean="0"/>
-              <a:t>[MARKER_OPENING 190 -ERR:REF-NOT-FOUND-]    ogday. [MARKER_CLOSING 191 &amp;lt;/a:t&gt;&amp;lt;/a:r&gt;]   </a:t>
+              <a:t>{g130:-ERR:REF-NOT-FOUND-}ethay uickqay {/g131:&lt;/a:t&gt;&lt;/a:r&gt;}</a:t>
+            </a:r>
+            <a:r>
+              <a:rPr lang="fr-FR" dirty="0" err="1" smtClean="0"/>
+              <a:t>{g132:-ERR:REF-NOT-FOUND-}ownbray{/g133:&lt;/a:t&gt;&lt;/a:r&gt;}</a:t>
+            </a:r>
+            <a:r>
+              <a:rPr lang="fr-FR" dirty="0" smtClean="0"/>
+              <a:t>{g134:-ERR:REF-NOT-FOUND-} oxfay {/g135:&lt;/a:t&gt;&lt;/a:r&gt;}</a:t>
+            </a:r>
+            <a:r>
+              <a:rPr lang="fr-FR" dirty="0" err="1" smtClean="0"/>
+              <a:t>{g136:-ERR:REF-NOT-FOUND-}umpsjay{/g137:&lt;/a:t&gt;&lt;/a:r&gt;}</a:t>
+            </a:r>
+            <a:r>
+              <a:rPr lang="fr-FR" dirty="0" smtClean="0"/>
+              <a:t>{g138:-ERR:REF-NOT-FOUND-} overhay ethay {/g139:&lt;/a:t&gt;&lt;/a:r&gt;}</a:t>
+            </a:r>
+            <a:r>
+              <a:rPr lang="fr-FR" dirty="0" err="1" smtClean="0"/>
+              <a:t>{g140:-ERR:REF-NOT-FOUND-}azylay{/g141:&lt;/a:t&gt;&lt;/a:r&gt;}</a:t>
+            </a:r>
+            <a:r>
+              <a:rPr lang="fr-FR" dirty="0" smtClean="0"/>
+              <a:t>{g142:-ERR:REF-NOT-FOUND-} ogday. ethay uickqay {/g143:&lt;/a:t&gt;&lt;/a:r&gt;}</a:t>
+            </a:r>
+            <a:r>
+              <a:rPr lang="fr-FR" dirty="0" err="1" smtClean="0"/>
+              <a:t>{g144:-ERR:REF-NOT-FOUND-}ownbray{/g145:&lt;/a:t&gt;&lt;/a:r&gt;}</a:t>
+            </a:r>
+            <a:r>
+              <a:rPr lang="fr-FR" dirty="0" smtClean="0"/>
+              <a:t>{g146:-ERR:REF-NOT-FOUND-} oxfay {/g147:&lt;/a:t&gt;&lt;/a:r&gt;}</a:t>
+            </a:r>
+            <a:r>
+              <a:rPr lang="fr-FR" dirty="0" err="1" smtClean="0"/>
+              <a:t>{g148:-ERR:REF-NOT-FOUND-}umpsjay{/g149:&lt;/a:t&gt;&lt;/a:r&gt;}</a:t>
+            </a:r>
+            <a:r>
+              <a:rPr lang="fr-FR" dirty="0" smtClean="0"/>
+              <a:t>{g150:-ERR:REF-NOT-FOUND-} overhay ethay {/g151:&lt;/a:t&gt;&lt;/a:r&gt;}</a:t>
+            </a:r>
+            <a:r>
+              <a:rPr lang="fr-FR" dirty="0" err="1" smtClean="0"/>
+              <a:t>{g152:-ERR:REF-NOT-FOUND-}azylay{/g153:&lt;/a:t&gt;&lt;/a:r&gt;}</a:t>
+            </a:r>
+            <a:r>
+              <a:rPr lang="fr-FR" dirty="0" smtClean="0"/>
+              <a:t>{g154:-ERR:REF-NOT-FOUND-} ogday. ethay uickqay {/g155:&lt;/a:t&gt;&lt;/a:r&gt;}</a:t>
+            </a:r>
+            <a:r>
+              <a:rPr lang="fr-FR" dirty="0" err="1" smtClean="0"/>
+              <a:t>{g156:-ERR:REF-NOT-FOUND-}ownbray{/g157:&lt;/a:t&gt;&lt;/a:r&gt;}</a:t>
+            </a:r>
+            <a:r>
+              <a:rPr lang="fr-FR" dirty="0" smtClean="0"/>
+              <a:t>{g158:-ERR:REF-NOT-FOUND-} oxfay {/g159:&lt;/a:t&gt;&lt;/a:r&gt;}</a:t>
+            </a:r>
+            <a:r>
+              <a:rPr lang="fr-FR" dirty="0" err="1" smtClean="0"/>
+              <a:t>{g160:-ERR:REF-NOT-FOUND-}umpsjay{/g161:&lt;/a:t&gt;&lt;/a:r&gt;}</a:t>
+            </a:r>
+            <a:r>
+              <a:rPr lang="fr-FR" dirty="0" smtClean="0"/>
+              <a:t>{g162:-ERR:REF-NOT-FOUND-} overhay ethay {/g163:&lt;/a:t&gt;&lt;/a:r&gt;}</a:t>
+            </a:r>
+            <a:r>
+              <a:rPr lang="fr-FR" dirty="0" err="1" smtClean="0"/>
+              <a:t>{g164:-ERR:REF-NOT-FOUND-}azylay{/g165:&lt;/a:t&gt;&lt;/a:r&gt;}</a:t>
+            </a:r>
+            <a:r>
+              <a:rPr lang="fr-FR" dirty="0" smtClean="0"/>
+              <a:t>{g166:-ERR:REF-NOT-FOUND-} ogday. ethay uickqay {/g167:&lt;/a:t&gt;&lt;/a:r&gt;}</a:t>
+            </a:r>
+            <a:r>
+              <a:rPr lang="fr-FR" dirty="0" err="1" smtClean="0"/>
+              <a:t>{g168:-ERR:REF-NOT-FOUND-}ownbray{/g169:&lt;/a:t&gt;&lt;/a:r&gt;}</a:t>
+            </a:r>
+            <a:r>
+              <a:rPr lang="fr-FR" dirty="0" smtClean="0"/>
+              <a:t>{g170:-ERR:REF-NOT-FOUND-} oxfay {/g171:&lt;/a:t&gt;&lt;/a:r&gt;}</a:t>
+            </a:r>
+            <a:r>
+              <a:rPr lang="fr-FR" dirty="0" err="1" smtClean="0"/>
+              <a:t>{g172:-ERR:REF-NOT-FOUND-}umpsjay{/g173:&lt;/a:t&gt;&lt;/a:r&gt;}</a:t>
+            </a:r>
+            <a:r>
+              <a:rPr lang="fr-FR" dirty="0" smtClean="0"/>
+              <a:t>{g174:-ERR:REF-NOT-FOUND-} overhay ethay {/g175:&lt;/a:t&gt;&lt;/a:r&gt;}</a:t>
+            </a:r>
+            <a:r>
+              <a:rPr lang="fr-FR" dirty="0" err="1" smtClean="0"/>
+              <a:t>{g176:-ERR:REF-NOT-FOUND-}azylay{/g177:&lt;/a:t&gt;&lt;/a:r&gt;}</a:t>
+            </a:r>
+            <a:r>
+              <a:rPr lang="fr-FR" dirty="0" smtClean="0"/>
+              <a:t>{g178:-ERR:REF-NOT-FOUND-} ogday. ethay uickqay {/g179:&lt;/a:t&gt;&lt;/a:r&gt;}</a:t>
+            </a:r>
+            <a:r>
+              <a:rPr lang="fr-FR" dirty="0" err="1" smtClean="0"/>
+              <a:t>{g180:-ERR:REF-NOT-FOUND-}ownbray{/g181:&lt;/a:t&gt;&lt;/a:r&gt;}</a:t>
+            </a:r>
+            <a:r>
+              <a:rPr lang="fr-FR" dirty="0" smtClean="0"/>
+              <a:t>{g182:-ERR:REF-NOT-FOUND-} oxfay {/g183:&lt;/a:t&gt;&lt;/a:r&gt;}</a:t>
+            </a:r>
+            <a:r>
+              <a:rPr lang="fr-FR" dirty="0" err="1" smtClean="0"/>
+              <a:t>{g184:-ERR:REF-NOT-FOUND-}umpsjay{/g185:&lt;/a:t&gt;&lt;/a:r&gt;}</a:t>
+            </a:r>
+            <a:r>
+              <a:rPr lang="fr-FR" dirty="0" smtClean="0"/>
+              <a:t>{g186:-ERR:REF-NOT-FOUND-} overhay ethay {/g187:&lt;/a:t&gt;&lt;/a:r&gt;}</a:t>
+            </a:r>
+            <a:r>
+              <a:rPr lang="fr-FR" dirty="0" err="1" smtClean="0"/>
+              <a:t>{g188:-ERR:REF-NOT-FOUND-}azylay{/g189:&lt;/a:t&gt;&lt;/a:r&gt;}</a:t>
+            </a:r>
+            <a:r>
+              <a:rPr lang="fr-FR" dirty="0" smtClean="0"/>
+              <a:t>{g190:-ERR:REF-NOT-FOUND-} ogday. {/g191:&lt;/a:t&gt;&lt;/a:r&gt;}</a:t>
             </a:r>
             <a:br>
               <a:rPr lang="fr-FR" dirty="0" smtClean="0"/>
